--- a/Courses/Applied-Programmer/Programming-Fundamentals/06-Многомерни-масиви/25.Многомерни-масиви.pptx
+++ b/Courses/Applied-Programmer/Programming-Fundamentals/06-Многомерни-масиви/25.Многомерни-масиви.pptx
@@ -349,7 +349,7 @@
             <a:fld id="{FE5B4EDC-59C0-49C7-8ADA-5A781B329E02}" type="datetimeFigureOut">
               <a:rPr lang="en-US"/>
               <a:pPr/>
-              <a:t>13-Nov-20</a:t>
+              <a:t>19-Nov-20</a:t>
             </a:fld>
             <a:endParaRPr dirty="0"/>
           </a:p>
@@ -647,7 +647,7 @@
             <a:fld id="{F2D8D46A-B586-417D-BFBD-8C8FE0AAF762}" type="datetimeFigureOut">
               <a:rPr lang="en-US" smtClean="0"/>
               <a:pPr/>
-              <a:t>13-Nov-20</a:t>
+              <a:t>19-Nov-20</a:t>
             </a:fld>
             <a:endParaRPr lang="en-US" dirty="0"/>
           </a:p>
@@ -3932,10 +3932,10 @@
         </p:nvGrpSpPr>
         <p:grpSpPr>
           <a:xfrm>
-            <a:off x="760412" y="3583505"/>
-            <a:ext cx="5043827" cy="2524722"/>
-            <a:chOff x="745783" y="3624633"/>
-            <a:chExt cx="5043827" cy="2524722"/>
+            <a:off x="254366" y="3583505"/>
+            <a:ext cx="5549873" cy="2666696"/>
+            <a:chOff x="239737" y="3624633"/>
+            <a:chExt cx="5549873" cy="2666696"/>
           </a:xfrm>
         </p:grpSpPr>
         <p:pic>
@@ -3992,7 +3992,7 @@
           </p:blipFill>
           <p:spPr bwMode="auto">
             <a:xfrm>
-              <a:off x="745783" y="4076772"/>
+              <a:off x="239737" y="4257317"/>
               <a:ext cx="2175525" cy="761165"/>
             </a:xfrm>
             <a:prstGeom prst="roundRect">
@@ -4031,7 +4031,7 @@
           </p:nvSpPr>
           <p:spPr bwMode="auto">
             <a:xfrm>
-              <a:off x="760413" y="4998598"/>
+              <a:off x="239737" y="5065730"/>
               <a:ext cx="3187614" cy="444343"/>
             </a:xfrm>
             <a:prstGeom prst="rect">
@@ -4288,7 +4288,7 @@
           </p:nvSpPr>
           <p:spPr bwMode="auto">
             <a:xfrm>
-              <a:off x="760412" y="5403725"/>
+              <a:off x="239737" y="5499687"/>
               <a:ext cx="3187613" cy="382788"/>
             </a:xfrm>
             <a:prstGeom prst="rect">
@@ -4544,7 +4544,7 @@
           </p:nvSpPr>
           <p:spPr bwMode="auto">
             <a:xfrm>
-              <a:off x="760412" y="5690893"/>
+              <a:off x="244025" y="5832867"/>
               <a:ext cx="3810000" cy="458462"/>
             </a:xfrm>
             <a:prstGeom prst="rect">
@@ -4807,7 +4807,7 @@
         </p:blipFill>
         <p:spPr>
           <a:xfrm>
-            <a:off x="7411558" y="4035644"/>
+            <a:off x="7424890" y="3691139"/>
             <a:ext cx="3985086" cy="2304507"/>
           </a:xfrm>
           <a:prstGeom prst="rect">
@@ -4815,6 +4815,141 @@
           </a:prstGeom>
         </p:spPr>
       </p:pic>
+      <p:sp>
+        <p:nvSpPr>
+          <p:cNvPr id="12" name="Text Placeholder 11">
+            <a:extLst>
+              <a:ext uri="{FF2B5EF4-FFF2-40B4-BE49-F238E27FC236}">
+                <a16:creationId xmlns:a16="http://schemas.microsoft.com/office/drawing/2014/main" id="{A7C61C3F-50E0-4CCF-9060-337F2208193E}"/>
+              </a:ext>
+            </a:extLst>
+          </p:cNvPr>
+          <p:cNvSpPr txBox="1">
+            <a:spLocks/>
+          </p:cNvSpPr>
+          <p:nvPr/>
+        </p:nvSpPr>
+        <p:spPr bwMode="auto">
+          <a:xfrm>
+            <a:off x="258654" y="6252243"/>
+            <a:ext cx="11885613" cy="349702"/>
+          </a:xfrm>
+          <a:prstGeom prst="rect">
+            <a:avLst/>
+          </a:prstGeom>
+          <a:noFill/>
+          <a:effectLst/>
+        </p:spPr>
+        <p:txBody>
+          <a:bodyPr vert="horz" wrap="square" lIns="36000" tIns="36000" rIns="36000" bIns="36000" rtlCol="0" anchor="ctr" anchorCtr="0">
+            <a:spAutoFit/>
+          </a:bodyPr>
+          <a:lstStyle>
+            <a:defPPr>
+              <a:defRPr lang="en-US"/>
+            </a:defPPr>
+            <a:lvl1pPr marL="0" algn="l" defTabSz="1218987" rtl="0" eaLnBrk="1" latinLnBrk="0" hangingPunct="1">
+              <a:defRPr sz="2400" kern="1200">
+                <a:solidFill>
+                  <a:schemeClr val="tx1"/>
+                </a:solidFill>
+                <a:latin typeface="+mn-lt"/>
+                <a:ea typeface="+mn-ea"/>
+                <a:cs typeface="+mn-cs"/>
+              </a:defRPr>
+            </a:lvl1pPr>
+            <a:lvl2pPr marL="609493" algn="l" defTabSz="1218987" rtl="0" eaLnBrk="1" latinLnBrk="0" hangingPunct="1">
+              <a:defRPr sz="2400" kern="1200">
+                <a:solidFill>
+                  <a:schemeClr val="tx1"/>
+                </a:solidFill>
+                <a:latin typeface="+mn-lt"/>
+                <a:ea typeface="+mn-ea"/>
+                <a:cs typeface="+mn-cs"/>
+              </a:defRPr>
+            </a:lvl2pPr>
+            <a:lvl3pPr marL="1218987" algn="l" defTabSz="1218987" rtl="0" eaLnBrk="1" latinLnBrk="0" hangingPunct="1">
+              <a:defRPr sz="2400" kern="1200">
+                <a:solidFill>
+                  <a:schemeClr val="tx1"/>
+                </a:solidFill>
+                <a:latin typeface="+mn-lt"/>
+                <a:ea typeface="+mn-ea"/>
+                <a:cs typeface="+mn-cs"/>
+              </a:defRPr>
+            </a:lvl3pPr>
+            <a:lvl4pPr marL="1828480" algn="l" defTabSz="1218987" rtl="0" eaLnBrk="1" latinLnBrk="0" hangingPunct="1">
+              <a:defRPr sz="2400" kern="1200">
+                <a:solidFill>
+                  <a:schemeClr val="tx1"/>
+                </a:solidFill>
+                <a:latin typeface="+mn-lt"/>
+                <a:ea typeface="+mn-ea"/>
+                <a:cs typeface="+mn-cs"/>
+              </a:defRPr>
+            </a:lvl4pPr>
+            <a:lvl5pPr marL="2437973" algn="l" defTabSz="1218987" rtl="0" eaLnBrk="1" latinLnBrk="0" hangingPunct="1">
+              <a:defRPr sz="2400" kern="1200">
+                <a:solidFill>
+                  <a:schemeClr val="tx1"/>
+                </a:solidFill>
+                <a:latin typeface="+mn-lt"/>
+                <a:ea typeface="+mn-ea"/>
+                <a:cs typeface="+mn-cs"/>
+              </a:defRPr>
+            </a:lvl5pPr>
+            <a:lvl6pPr marL="3047467" algn="l" defTabSz="1218987" rtl="0" eaLnBrk="1" latinLnBrk="0" hangingPunct="1">
+              <a:defRPr sz="2400" kern="1200">
+                <a:solidFill>
+                  <a:schemeClr val="tx1"/>
+                </a:solidFill>
+                <a:latin typeface="+mn-lt"/>
+                <a:ea typeface="+mn-ea"/>
+                <a:cs typeface="+mn-cs"/>
+              </a:defRPr>
+            </a:lvl6pPr>
+            <a:lvl7pPr marL="3656960" algn="l" defTabSz="1218987" rtl="0" eaLnBrk="1" latinLnBrk="0" hangingPunct="1">
+              <a:defRPr sz="2400" kern="1200">
+                <a:solidFill>
+                  <a:schemeClr val="tx1"/>
+                </a:solidFill>
+                <a:latin typeface="+mn-lt"/>
+                <a:ea typeface="+mn-ea"/>
+                <a:cs typeface="+mn-cs"/>
+              </a:defRPr>
+            </a:lvl7pPr>
+            <a:lvl8pPr marL="4266453" algn="l" defTabSz="1218987" rtl="0" eaLnBrk="1" latinLnBrk="0" hangingPunct="1">
+              <a:defRPr sz="2400" kern="1200">
+                <a:solidFill>
+                  <a:schemeClr val="tx1"/>
+                </a:solidFill>
+                <a:latin typeface="+mn-lt"/>
+                <a:ea typeface="+mn-ea"/>
+                <a:cs typeface="+mn-cs"/>
+              </a:defRPr>
+            </a:lvl8pPr>
+            <a:lvl9pPr marL="4875947" algn="l" defTabSz="1218987" rtl="0" eaLnBrk="1" latinLnBrk="0" hangingPunct="1">
+              <a:defRPr sz="2400" kern="1200">
+                <a:solidFill>
+                  <a:schemeClr val="tx1"/>
+                </a:solidFill>
+                <a:latin typeface="+mn-lt"/>
+                <a:ea typeface="+mn-ea"/>
+                <a:cs typeface="+mn-cs"/>
+              </a:defRPr>
+            </a:lvl9pPr>
+          </a:lstStyle>
+          <a:p>
+            <a:r>
+              <a:rPr lang="en-US" sz="1800" b="1" dirty="0">
+                <a:hlinkClick r:id="rId8"/>
+              </a:rPr>
+              <a:t>https://github.com/BG-IT-Edu/School-Programming/tree/main/Courses/Applied-Programmer/Programming-Fundamentals</a:t>
+            </a:r>
+            <a:endParaRPr lang="en-GB" sz="1800" b="1" dirty="0"/>
+          </a:p>
+        </p:txBody>
+      </p:sp>
     </p:spTree>
     <p:extLst>
       <p:ext uri="{BB962C8B-B14F-4D97-AF65-F5344CB8AC3E}">
@@ -6964,28 +7099,18 @@
           <a:lstStyle/>
           <a:p>
             <a:r>
-              <a:rPr lang="bg-BG" dirty="0" smtClean="0"/>
+              <a:rPr lang="bg-BG" dirty="0"/>
               <a:t>Тествайте</a:t>
             </a:r>
             <a:r>
-              <a:rPr lang="en-US" dirty="0" smtClean="0"/>
-              <a:t> </a:t>
-            </a:r>
-            <a:r>
               <a:rPr lang="en-US" dirty="0"/>
-              <a:t>в Judge: </a:t>
+              <a:t> в Judge: </a:t>
             </a:r>
             <a:r>
               <a:rPr lang="en-US" dirty="0">
                 <a:hlinkClick r:id="rId2"/>
               </a:rPr>
-              <a:t>https://</a:t>
-            </a:r>
-            <a:r>
-              <a:rPr lang="en-US" dirty="0" smtClean="0">
-                <a:hlinkClick r:id="rId2"/>
-              </a:rPr>
-              <a:t>judge.softuni.bg/Contests/2667</a:t>
+              <a:t>https://judge.softuni.bg/Contests/2667</a:t>
             </a:r>
             <a:endParaRPr lang="en-US" dirty="0"/>
           </a:p>
@@ -7700,28 +7825,18 @@
           <a:lstStyle/>
           <a:p>
             <a:r>
-              <a:rPr lang="bg-BG" dirty="0" smtClean="0"/>
+              <a:rPr lang="bg-BG" dirty="0"/>
               <a:t>Тествайте</a:t>
             </a:r>
             <a:r>
-              <a:rPr lang="en-US" dirty="0" smtClean="0"/>
-              <a:t> </a:t>
-            </a:r>
-            <a:r>
               <a:rPr lang="en-US" dirty="0"/>
-              <a:t>в Judge: </a:t>
+              <a:t> в Judge: </a:t>
             </a:r>
             <a:r>
               <a:rPr lang="en-US" dirty="0">
                 <a:hlinkClick r:id="rId2"/>
               </a:rPr>
-              <a:t>https://</a:t>
-            </a:r>
-            <a:r>
-              <a:rPr lang="en-US" dirty="0" smtClean="0">
-                <a:hlinkClick r:id="rId2"/>
-              </a:rPr>
-              <a:t>judge.softuni.bg/Contests/2667</a:t>
+              <a:t>https://judge.softuni.bg/Contests/2667</a:t>
             </a:r>
             <a:endParaRPr lang="en-US" dirty="0"/>
           </a:p>
@@ -8466,28 +8581,18 @@
           <a:lstStyle/>
           <a:p>
             <a:r>
-              <a:rPr lang="bg-BG" dirty="0" smtClean="0"/>
+              <a:rPr lang="bg-BG" dirty="0"/>
               <a:t>Тествайте</a:t>
             </a:r>
             <a:r>
-              <a:rPr lang="en-US" dirty="0" smtClean="0"/>
-              <a:t> </a:t>
-            </a:r>
-            <a:r>
               <a:rPr lang="en-US" dirty="0"/>
-              <a:t>в Judge: </a:t>
+              <a:t> в Judge: </a:t>
             </a:r>
             <a:r>
               <a:rPr lang="en-US" dirty="0">
                 <a:hlinkClick r:id="rId2"/>
               </a:rPr>
-              <a:t>https://</a:t>
-            </a:r>
-            <a:r>
-              <a:rPr lang="en-US" dirty="0" smtClean="0">
-                <a:hlinkClick r:id="rId2"/>
-              </a:rPr>
-              <a:t>judge.softuni.bg/Contests/2667</a:t>
+              <a:t>https://judge.softuni.bg/Contests/2667</a:t>
             </a:r>
             <a:endParaRPr lang="en-US" dirty="0"/>
           </a:p>
@@ -8948,10 +9053,10 @@
           <a:lstStyle/>
           <a:p>
             <a:r>
-              <a:rPr lang="bg-BG">
+              <a:rPr lang="bg-BG" dirty="0">
                 <a:latin typeface="+mn-ea"/>
               </a:rPr>
-              <a:t>Многомерни масиви</a:t>
+              <a:t>Масиви</a:t>
             </a:r>
             <a:endParaRPr lang="en-US" dirty="0"/>
           </a:p>
@@ -8959,37 +9064,136 @@
       </p:sp>
       <p:sp>
         <p:nvSpPr>
-          <p:cNvPr id="3" name="Text Placeholder 2"/>
-          <p:cNvSpPr>
-            <a:spLocks noGrp="1"/>
+          <p:cNvPr id="6" name="Text Placeholder 11">
+            <a:extLst>
+              <a:ext uri="{FF2B5EF4-FFF2-40B4-BE49-F238E27FC236}">
+                <a16:creationId xmlns:a16="http://schemas.microsoft.com/office/drawing/2014/main" id="{3E99AB28-BE55-4ADC-835E-3DCC64DF3033}"/>
+              </a:ext>
+            </a:extLst>
+          </p:cNvPr>
+          <p:cNvSpPr txBox="1">
+            <a:spLocks/>
           </p:cNvSpPr>
-          <p:nvPr>
-            <p:ph type="body" sz="quarter" idx="10"/>
-          </p:nvPr>
+          <p:nvPr/>
         </p:nvSpPr>
-        <p:spPr>
+        <p:spPr bwMode="auto">
           <a:xfrm>
-            <a:off x="1529384" y="6400802"/>
-            <a:ext cx="10482604" cy="351754"/>
+            <a:off x="303212" y="6400800"/>
+            <a:ext cx="11885613" cy="349702"/>
           </a:xfrm>
+          <a:prstGeom prst="rect">
+            <a:avLst/>
+          </a:prstGeom>
+          <a:noFill/>
+          <a:effectLst/>
         </p:spPr>
         <p:txBody>
-          <a:bodyPr/>
-          <a:lstStyle/>
-          <a:p>
-            <a:r>
-              <a:rPr lang="en-US" dirty="0">
+          <a:bodyPr vert="horz" wrap="square" lIns="36000" tIns="36000" rIns="36000" bIns="36000" rtlCol="0" anchor="ctr" anchorCtr="0">
+            <a:spAutoFit/>
+          </a:bodyPr>
+          <a:lstStyle>
+            <a:defPPr>
+              <a:defRPr lang="en-US"/>
+            </a:defPPr>
+            <a:lvl1pPr marL="0" algn="l" defTabSz="1218987" rtl="0" eaLnBrk="1" latinLnBrk="0" hangingPunct="1">
+              <a:defRPr sz="2400" kern="1200">
+                <a:solidFill>
+                  <a:schemeClr val="tx1"/>
+                </a:solidFill>
+                <a:latin typeface="+mn-lt"/>
+                <a:ea typeface="+mn-ea"/>
+                <a:cs typeface="+mn-cs"/>
+              </a:defRPr>
+            </a:lvl1pPr>
+            <a:lvl2pPr marL="609493" algn="l" defTabSz="1218987" rtl="0" eaLnBrk="1" latinLnBrk="0" hangingPunct="1">
+              <a:defRPr sz="2400" kern="1200">
+                <a:solidFill>
+                  <a:schemeClr val="tx1"/>
+                </a:solidFill>
+                <a:latin typeface="+mn-lt"/>
+                <a:ea typeface="+mn-ea"/>
+                <a:cs typeface="+mn-cs"/>
+              </a:defRPr>
+            </a:lvl2pPr>
+            <a:lvl3pPr marL="1218987" algn="l" defTabSz="1218987" rtl="0" eaLnBrk="1" latinLnBrk="0" hangingPunct="1">
+              <a:defRPr sz="2400" kern="1200">
+                <a:solidFill>
+                  <a:schemeClr val="tx1"/>
+                </a:solidFill>
+                <a:latin typeface="+mn-lt"/>
+                <a:ea typeface="+mn-ea"/>
+                <a:cs typeface="+mn-cs"/>
+              </a:defRPr>
+            </a:lvl3pPr>
+            <a:lvl4pPr marL="1828480" algn="l" defTabSz="1218987" rtl="0" eaLnBrk="1" latinLnBrk="0" hangingPunct="1">
+              <a:defRPr sz="2400" kern="1200">
+                <a:solidFill>
+                  <a:schemeClr val="tx1"/>
+                </a:solidFill>
+                <a:latin typeface="+mn-lt"/>
+                <a:ea typeface="+mn-ea"/>
+                <a:cs typeface="+mn-cs"/>
+              </a:defRPr>
+            </a:lvl4pPr>
+            <a:lvl5pPr marL="2437973" algn="l" defTabSz="1218987" rtl="0" eaLnBrk="1" latinLnBrk="0" hangingPunct="1">
+              <a:defRPr sz="2400" kern="1200">
+                <a:solidFill>
+                  <a:schemeClr val="tx1"/>
+                </a:solidFill>
+                <a:latin typeface="+mn-lt"/>
+                <a:ea typeface="+mn-ea"/>
+                <a:cs typeface="+mn-cs"/>
+              </a:defRPr>
+            </a:lvl5pPr>
+            <a:lvl6pPr marL="3047467" algn="l" defTabSz="1218987" rtl="0" eaLnBrk="1" latinLnBrk="0" hangingPunct="1">
+              <a:defRPr sz="2400" kern="1200">
+                <a:solidFill>
+                  <a:schemeClr val="tx1"/>
+                </a:solidFill>
+                <a:latin typeface="+mn-lt"/>
+                <a:ea typeface="+mn-ea"/>
+                <a:cs typeface="+mn-cs"/>
+              </a:defRPr>
+            </a:lvl6pPr>
+            <a:lvl7pPr marL="3656960" algn="l" defTabSz="1218987" rtl="0" eaLnBrk="1" latinLnBrk="0" hangingPunct="1">
+              <a:defRPr sz="2400" kern="1200">
+                <a:solidFill>
+                  <a:schemeClr val="tx1"/>
+                </a:solidFill>
+                <a:latin typeface="+mn-lt"/>
+                <a:ea typeface="+mn-ea"/>
+                <a:cs typeface="+mn-cs"/>
+              </a:defRPr>
+            </a:lvl7pPr>
+            <a:lvl8pPr marL="4266453" algn="l" defTabSz="1218987" rtl="0" eaLnBrk="1" latinLnBrk="0" hangingPunct="1">
+              <a:defRPr sz="2400" kern="1200">
+                <a:solidFill>
+                  <a:schemeClr val="tx1"/>
+                </a:solidFill>
+                <a:latin typeface="+mn-lt"/>
+                <a:ea typeface="+mn-ea"/>
+                <a:cs typeface="+mn-cs"/>
+              </a:defRPr>
+            </a:lvl8pPr>
+            <a:lvl9pPr marL="4875947" algn="l" defTabSz="1218987" rtl="0" eaLnBrk="1" latinLnBrk="0" hangingPunct="1">
+              <a:defRPr sz="2400" kern="1200">
+                <a:solidFill>
+                  <a:schemeClr val="tx1"/>
+                </a:solidFill>
+                <a:latin typeface="+mn-lt"/>
+                <a:ea typeface="+mn-ea"/>
+                <a:cs typeface="+mn-cs"/>
+              </a:defRPr>
+            </a:lvl9pPr>
+          </a:lstStyle>
+          <a:p>
+            <a:r>
+              <a:rPr lang="en-US" sz="1800" b="1" dirty="0">
                 <a:hlinkClick r:id="rId3"/>
               </a:rPr>
-              <a:t>https://it-kariera.mon.bg/</a:t>
-            </a:r>
-            <a:r>
-              <a:rPr lang="en-US">
-                <a:hlinkClick r:id="rId3"/>
-              </a:rPr>
-              <a:t>e-learning/</a:t>
-            </a:r>
-            <a:endParaRPr lang="en-US" dirty="0"/>
+              <a:t>https://github.com/BG-IT-Edu/School-Programming/tree/main/Courses/Applied-Programmer/Programming-Fundamentals</a:t>
+            </a:r>
+            <a:endParaRPr lang="en-GB" sz="1800" b="1" dirty="0"/>
           </a:p>
         </p:txBody>
       </p:sp>

--- a/Courses/Applied-Programmer/Programming-Fundamentals/06-Многомерни-масиви/25.Многомерни-масиви.pptx
+++ b/Courses/Applied-Programmer/Programming-Fundamentals/06-Многомерни-масиви/25.Многомерни-масиви.pptx
@@ -349,7 +349,7 @@
             <a:fld id="{FE5B4EDC-59C0-49C7-8ADA-5A781B329E02}" type="datetimeFigureOut">
               <a:rPr lang="en-US"/>
               <a:pPr/>
-              <a:t>19-Nov-20</a:t>
+              <a:t>21-Nov-20</a:t>
             </a:fld>
             <a:endParaRPr dirty="0"/>
           </a:p>
@@ -647,7 +647,7 @@
             <a:fld id="{F2D8D46A-B586-417D-BFBD-8C8FE0AAF762}" type="datetimeFigureOut">
               <a:rPr lang="en-US" smtClean="0"/>
               <a:pPr/>
-              <a:t>19-Nov-20</a:t>
+              <a:t>21-Nov-20</a:t>
             </a:fld>
             <a:endParaRPr lang="en-US" dirty="0"/>
           </a:p>
@@ -6917,6 +6917,516 @@
   <p:clrMapOvr>
     <a:masterClrMapping/>
   </p:clrMapOvr>
+  <p:timing>
+    <p:tnLst>
+      <p:par>
+        <p:cTn id="1" dur="indefinite" restart="never" nodeType="tmRoot">
+          <p:childTnLst>
+            <p:seq concurrent="1" nextAc="seek">
+              <p:cTn id="2" dur="indefinite" nodeType="mainSeq">
+                <p:childTnLst>
+                  <p:par>
+                    <p:cTn id="3" fill="hold">
+                      <p:stCondLst>
+                        <p:cond delay="indefinite"/>
+                      </p:stCondLst>
+                      <p:childTnLst>
+                        <p:par>
+                          <p:cTn id="4" fill="hold">
+                            <p:stCondLst>
+                              <p:cond delay="0"/>
+                            </p:stCondLst>
+                            <p:childTnLst>
+                              <p:par>
+                                <p:cTn id="5" presetID="1" presetClass="entr" presetSubtype="0" fill="hold" nodeType="clickEffect">
+                                  <p:stCondLst>
+                                    <p:cond delay="0"/>
+                                  </p:stCondLst>
+                                  <p:childTnLst>
+                                    <p:set>
+                                      <p:cBhvr>
+                                        <p:cTn id="6" dur="1" fill="hold">
+                                          <p:stCondLst>
+                                            <p:cond delay="0"/>
+                                          </p:stCondLst>
+                                        </p:cTn>
+                                        <p:tgtEl>
+                                          <p:spTgt spid="7">
+                                            <p:txEl>
+                                              <p:pRg st="0" end="0"/>
+                                            </p:txEl>
+                                          </p:spTgt>
+                                        </p:tgtEl>
+                                        <p:attrNameLst>
+                                          <p:attrName>style.visibility</p:attrName>
+                                        </p:attrNameLst>
+                                      </p:cBhvr>
+                                      <p:to>
+                                        <p:strVal val="visible"/>
+                                      </p:to>
+                                    </p:set>
+                                  </p:childTnLst>
+                                </p:cTn>
+                              </p:par>
+                              <p:par>
+                                <p:cTn id="7" presetID="1" presetClass="entr" presetSubtype="0" fill="hold" nodeType="withEffect">
+                                  <p:stCondLst>
+                                    <p:cond delay="0"/>
+                                  </p:stCondLst>
+                                  <p:childTnLst>
+                                    <p:set>
+                                      <p:cBhvr>
+                                        <p:cTn id="8" dur="1" fill="hold">
+                                          <p:stCondLst>
+                                            <p:cond delay="0"/>
+                                          </p:stCondLst>
+                                        </p:cTn>
+                                        <p:tgtEl>
+                                          <p:spTgt spid="7">
+                                            <p:txEl>
+                                              <p:pRg st="1" end="1"/>
+                                            </p:txEl>
+                                          </p:spTgt>
+                                        </p:tgtEl>
+                                        <p:attrNameLst>
+                                          <p:attrName>style.visibility</p:attrName>
+                                        </p:attrNameLst>
+                                      </p:cBhvr>
+                                      <p:to>
+                                        <p:strVal val="visible"/>
+                                      </p:to>
+                                    </p:set>
+                                  </p:childTnLst>
+                                </p:cTn>
+                              </p:par>
+                            </p:childTnLst>
+                          </p:cTn>
+                        </p:par>
+                      </p:childTnLst>
+                    </p:cTn>
+                  </p:par>
+                  <p:par>
+                    <p:cTn id="9" fill="hold">
+                      <p:stCondLst>
+                        <p:cond delay="indefinite"/>
+                      </p:stCondLst>
+                      <p:childTnLst>
+                        <p:par>
+                          <p:cTn id="10" fill="hold">
+                            <p:stCondLst>
+                              <p:cond delay="0"/>
+                            </p:stCondLst>
+                            <p:childTnLst>
+                              <p:par>
+                                <p:cTn id="11" presetID="1" presetClass="entr" presetSubtype="0" fill="hold" nodeType="clickEffect">
+                                  <p:stCondLst>
+                                    <p:cond delay="0"/>
+                                  </p:stCondLst>
+                                  <p:childTnLst>
+                                    <p:set>
+                                      <p:cBhvr>
+                                        <p:cTn id="12" dur="1" fill="hold">
+                                          <p:stCondLst>
+                                            <p:cond delay="0"/>
+                                          </p:stCondLst>
+                                        </p:cTn>
+                                        <p:tgtEl>
+                                          <p:spTgt spid="7">
+                                            <p:txEl>
+                                              <p:pRg st="2" end="2"/>
+                                            </p:txEl>
+                                          </p:spTgt>
+                                        </p:tgtEl>
+                                        <p:attrNameLst>
+                                          <p:attrName>style.visibility</p:attrName>
+                                        </p:attrNameLst>
+                                      </p:cBhvr>
+                                      <p:to>
+                                        <p:strVal val="visible"/>
+                                      </p:to>
+                                    </p:set>
+                                  </p:childTnLst>
+                                </p:cTn>
+                              </p:par>
+                            </p:childTnLst>
+                          </p:cTn>
+                        </p:par>
+                      </p:childTnLst>
+                    </p:cTn>
+                  </p:par>
+                  <p:par>
+                    <p:cTn id="13" fill="hold">
+                      <p:stCondLst>
+                        <p:cond delay="indefinite"/>
+                      </p:stCondLst>
+                      <p:childTnLst>
+                        <p:par>
+                          <p:cTn id="14" fill="hold">
+                            <p:stCondLst>
+                              <p:cond delay="0"/>
+                            </p:stCondLst>
+                            <p:childTnLst>
+                              <p:par>
+                                <p:cTn id="15" presetID="1" presetClass="entr" presetSubtype="0" fill="hold" nodeType="clickEffect">
+                                  <p:stCondLst>
+                                    <p:cond delay="0"/>
+                                  </p:stCondLst>
+                                  <p:childTnLst>
+                                    <p:set>
+                                      <p:cBhvr>
+                                        <p:cTn id="16" dur="1" fill="hold">
+                                          <p:stCondLst>
+                                            <p:cond delay="0"/>
+                                          </p:stCondLst>
+                                        </p:cTn>
+                                        <p:tgtEl>
+                                          <p:spTgt spid="7">
+                                            <p:txEl>
+                                              <p:pRg st="4" end="4"/>
+                                            </p:txEl>
+                                          </p:spTgt>
+                                        </p:tgtEl>
+                                        <p:attrNameLst>
+                                          <p:attrName>style.visibility</p:attrName>
+                                        </p:attrNameLst>
+                                      </p:cBhvr>
+                                      <p:to>
+                                        <p:strVal val="visible"/>
+                                      </p:to>
+                                    </p:set>
+                                  </p:childTnLst>
+                                </p:cTn>
+                              </p:par>
+                              <p:par>
+                                <p:cTn id="17" presetID="1" presetClass="entr" presetSubtype="0" fill="hold" nodeType="withEffect">
+                                  <p:stCondLst>
+                                    <p:cond delay="0"/>
+                                  </p:stCondLst>
+                                  <p:childTnLst>
+                                    <p:set>
+                                      <p:cBhvr>
+                                        <p:cTn id="18" dur="1" fill="hold">
+                                          <p:stCondLst>
+                                            <p:cond delay="0"/>
+                                          </p:stCondLst>
+                                        </p:cTn>
+                                        <p:tgtEl>
+                                          <p:spTgt spid="7">
+                                            <p:txEl>
+                                              <p:pRg st="5" end="5"/>
+                                            </p:txEl>
+                                          </p:spTgt>
+                                        </p:tgtEl>
+                                        <p:attrNameLst>
+                                          <p:attrName>style.visibility</p:attrName>
+                                        </p:attrNameLst>
+                                      </p:cBhvr>
+                                      <p:to>
+                                        <p:strVal val="visible"/>
+                                      </p:to>
+                                    </p:set>
+                                  </p:childTnLst>
+                                </p:cTn>
+                              </p:par>
+                              <p:par>
+                                <p:cTn id="19" presetID="1" presetClass="entr" presetSubtype="0" fill="hold" nodeType="withEffect">
+                                  <p:stCondLst>
+                                    <p:cond delay="0"/>
+                                  </p:stCondLst>
+                                  <p:childTnLst>
+                                    <p:set>
+                                      <p:cBhvr>
+                                        <p:cTn id="20" dur="1" fill="hold">
+                                          <p:stCondLst>
+                                            <p:cond delay="0"/>
+                                          </p:stCondLst>
+                                        </p:cTn>
+                                        <p:tgtEl>
+                                          <p:spTgt spid="7">
+                                            <p:txEl>
+                                              <p:pRg st="11" end="11"/>
+                                            </p:txEl>
+                                          </p:spTgt>
+                                        </p:tgtEl>
+                                        <p:attrNameLst>
+                                          <p:attrName>style.visibility</p:attrName>
+                                        </p:attrNameLst>
+                                      </p:cBhvr>
+                                      <p:to>
+                                        <p:strVal val="visible"/>
+                                      </p:to>
+                                    </p:set>
+                                  </p:childTnLst>
+                                </p:cTn>
+                              </p:par>
+                            </p:childTnLst>
+                          </p:cTn>
+                        </p:par>
+                      </p:childTnLst>
+                    </p:cTn>
+                  </p:par>
+                  <p:par>
+                    <p:cTn id="21" fill="hold">
+                      <p:stCondLst>
+                        <p:cond delay="indefinite"/>
+                      </p:stCondLst>
+                      <p:childTnLst>
+                        <p:par>
+                          <p:cTn id="22" fill="hold">
+                            <p:stCondLst>
+                              <p:cond delay="0"/>
+                            </p:stCondLst>
+                            <p:childTnLst>
+                              <p:par>
+                                <p:cTn id="23" presetID="1" presetClass="entr" presetSubtype="0" fill="hold" nodeType="clickEffect">
+                                  <p:stCondLst>
+                                    <p:cond delay="0"/>
+                                  </p:stCondLst>
+                                  <p:childTnLst>
+                                    <p:set>
+                                      <p:cBhvr>
+                                        <p:cTn id="24" dur="1" fill="hold">
+                                          <p:stCondLst>
+                                            <p:cond delay="0"/>
+                                          </p:stCondLst>
+                                        </p:cTn>
+                                        <p:tgtEl>
+                                          <p:spTgt spid="7">
+                                            <p:txEl>
+                                              <p:pRg st="6" end="6"/>
+                                            </p:txEl>
+                                          </p:spTgt>
+                                        </p:tgtEl>
+                                        <p:attrNameLst>
+                                          <p:attrName>style.visibility</p:attrName>
+                                        </p:attrNameLst>
+                                      </p:cBhvr>
+                                      <p:to>
+                                        <p:strVal val="visible"/>
+                                      </p:to>
+                                    </p:set>
+                                  </p:childTnLst>
+                                </p:cTn>
+                              </p:par>
+                              <p:par>
+                                <p:cTn id="25" presetID="1" presetClass="entr" presetSubtype="0" fill="hold" nodeType="withEffect">
+                                  <p:stCondLst>
+                                    <p:cond delay="0"/>
+                                  </p:stCondLst>
+                                  <p:childTnLst>
+                                    <p:set>
+                                      <p:cBhvr>
+                                        <p:cTn id="26" dur="1" fill="hold">
+                                          <p:stCondLst>
+                                            <p:cond delay="0"/>
+                                          </p:stCondLst>
+                                        </p:cTn>
+                                        <p:tgtEl>
+                                          <p:spTgt spid="7">
+                                            <p:txEl>
+                                              <p:pRg st="7" end="7"/>
+                                            </p:txEl>
+                                          </p:spTgt>
+                                        </p:tgtEl>
+                                        <p:attrNameLst>
+                                          <p:attrName>style.visibility</p:attrName>
+                                        </p:attrNameLst>
+                                      </p:cBhvr>
+                                      <p:to>
+                                        <p:strVal val="visible"/>
+                                      </p:to>
+                                    </p:set>
+                                  </p:childTnLst>
+                                </p:cTn>
+                              </p:par>
+                              <p:par>
+                                <p:cTn id="27" presetID="1" presetClass="entr" presetSubtype="0" fill="hold" nodeType="withEffect">
+                                  <p:stCondLst>
+                                    <p:cond delay="0"/>
+                                  </p:stCondLst>
+                                  <p:childTnLst>
+                                    <p:set>
+                                      <p:cBhvr>
+                                        <p:cTn id="28" dur="1" fill="hold">
+                                          <p:stCondLst>
+                                            <p:cond delay="0"/>
+                                          </p:stCondLst>
+                                        </p:cTn>
+                                        <p:tgtEl>
+                                          <p:spTgt spid="7">
+                                            <p:txEl>
+                                              <p:pRg st="10" end="10"/>
+                                            </p:txEl>
+                                          </p:spTgt>
+                                        </p:tgtEl>
+                                        <p:attrNameLst>
+                                          <p:attrName>style.visibility</p:attrName>
+                                        </p:attrNameLst>
+                                      </p:cBhvr>
+                                      <p:to>
+                                        <p:strVal val="visible"/>
+                                      </p:to>
+                                    </p:set>
+                                  </p:childTnLst>
+                                </p:cTn>
+                              </p:par>
+                            </p:childTnLst>
+                          </p:cTn>
+                        </p:par>
+                      </p:childTnLst>
+                    </p:cTn>
+                  </p:par>
+                  <p:par>
+                    <p:cTn id="29" fill="hold">
+                      <p:stCondLst>
+                        <p:cond delay="indefinite"/>
+                      </p:stCondLst>
+                      <p:childTnLst>
+                        <p:par>
+                          <p:cTn id="30" fill="hold">
+                            <p:stCondLst>
+                              <p:cond delay="0"/>
+                            </p:stCondLst>
+                            <p:childTnLst>
+                              <p:par>
+                                <p:cTn id="31" presetID="1" presetClass="entr" presetSubtype="0" fill="hold" nodeType="clickEffect">
+                                  <p:stCondLst>
+                                    <p:cond delay="0"/>
+                                  </p:stCondLst>
+                                  <p:childTnLst>
+                                    <p:set>
+                                      <p:cBhvr>
+                                        <p:cTn id="32" dur="1" fill="hold">
+                                          <p:stCondLst>
+                                            <p:cond delay="0"/>
+                                          </p:stCondLst>
+                                        </p:cTn>
+                                        <p:tgtEl>
+                                          <p:spTgt spid="7">
+                                            <p:txEl>
+                                              <p:pRg st="8" end="8"/>
+                                            </p:txEl>
+                                          </p:spTgt>
+                                        </p:tgtEl>
+                                        <p:attrNameLst>
+                                          <p:attrName>style.visibility</p:attrName>
+                                        </p:attrNameLst>
+                                      </p:cBhvr>
+                                      <p:to>
+                                        <p:strVal val="visible"/>
+                                      </p:to>
+                                    </p:set>
+                                  </p:childTnLst>
+                                </p:cTn>
+                              </p:par>
+                              <p:par>
+                                <p:cTn id="33" presetID="1" presetClass="entr" presetSubtype="0" fill="hold" nodeType="withEffect">
+                                  <p:stCondLst>
+                                    <p:cond delay="0"/>
+                                  </p:stCondLst>
+                                  <p:childTnLst>
+                                    <p:set>
+                                      <p:cBhvr>
+                                        <p:cTn id="34" dur="1" fill="hold">
+                                          <p:stCondLst>
+                                            <p:cond delay="0"/>
+                                          </p:stCondLst>
+                                        </p:cTn>
+                                        <p:tgtEl>
+                                          <p:spTgt spid="7">
+                                            <p:txEl>
+                                              <p:pRg st="9" end="9"/>
+                                            </p:txEl>
+                                          </p:spTgt>
+                                        </p:tgtEl>
+                                        <p:attrNameLst>
+                                          <p:attrName>style.visibility</p:attrName>
+                                        </p:attrNameLst>
+                                      </p:cBhvr>
+                                      <p:to>
+                                        <p:strVal val="visible"/>
+                                      </p:to>
+                                    </p:set>
+                                  </p:childTnLst>
+                                </p:cTn>
+                              </p:par>
+                            </p:childTnLst>
+                          </p:cTn>
+                        </p:par>
+                      </p:childTnLst>
+                    </p:cTn>
+                  </p:par>
+                  <p:par>
+                    <p:cTn id="35" fill="hold">
+                      <p:stCondLst>
+                        <p:cond delay="indefinite"/>
+                      </p:stCondLst>
+                      <p:childTnLst>
+                        <p:par>
+                          <p:cTn id="36" fill="hold">
+                            <p:stCondLst>
+                              <p:cond delay="0"/>
+                            </p:stCondLst>
+                            <p:childTnLst>
+                              <p:par>
+                                <p:cTn id="37" presetID="1" presetClass="entr" presetSubtype="0" fill="hold" nodeType="clickEffect">
+                                  <p:stCondLst>
+                                    <p:cond delay="0"/>
+                                  </p:stCondLst>
+                                  <p:childTnLst>
+                                    <p:set>
+                                      <p:cBhvr>
+                                        <p:cTn id="38" dur="1" fill="hold">
+                                          <p:stCondLst>
+                                            <p:cond delay="0"/>
+                                          </p:stCondLst>
+                                        </p:cTn>
+                                        <p:tgtEl>
+                                          <p:spTgt spid="7">
+                                            <p:txEl>
+                                              <p:pRg st="12" end="12"/>
+                                            </p:txEl>
+                                          </p:spTgt>
+                                        </p:tgtEl>
+                                        <p:attrNameLst>
+                                          <p:attrName>style.visibility</p:attrName>
+                                        </p:attrNameLst>
+                                      </p:cBhvr>
+                                      <p:to>
+                                        <p:strVal val="visible"/>
+                                      </p:to>
+                                    </p:set>
+                                  </p:childTnLst>
+                                </p:cTn>
+                              </p:par>
+                            </p:childTnLst>
+                          </p:cTn>
+                        </p:par>
+                      </p:childTnLst>
+                    </p:cTn>
+                  </p:par>
+                </p:childTnLst>
+              </p:cTn>
+              <p:prevCondLst>
+                <p:cond evt="onPrev" delay="0">
+                  <p:tgtEl>
+                    <p:sldTgt/>
+                  </p:tgtEl>
+                </p:cond>
+              </p:prevCondLst>
+              <p:nextCondLst>
+                <p:cond evt="onNext" delay="0">
+                  <p:tgtEl>
+                    <p:sldTgt/>
+                  </p:tgtEl>
+                </p:cond>
+              </p:nextCondLst>
+            </p:seq>
+          </p:childTnLst>
+        </p:cTn>
+      </p:par>
+    </p:tnLst>
+  </p:timing>
 </p:sld>
 </file>
 
@@ -7126,6 +7636,182 @@
   <p:clrMapOvr>
     <a:masterClrMapping/>
   </p:clrMapOvr>
+  <p:timing>
+    <p:tnLst>
+      <p:par>
+        <p:cTn id="1" dur="indefinite" restart="never" nodeType="tmRoot">
+          <p:childTnLst>
+            <p:seq concurrent="1" nextAc="seek">
+              <p:cTn id="2" dur="indefinite" nodeType="mainSeq">
+                <p:childTnLst>
+                  <p:par>
+                    <p:cTn id="3" fill="hold">
+                      <p:stCondLst>
+                        <p:cond delay="indefinite"/>
+                      </p:stCondLst>
+                      <p:childTnLst>
+                        <p:par>
+                          <p:cTn id="4" fill="hold">
+                            <p:stCondLst>
+                              <p:cond delay="0"/>
+                            </p:stCondLst>
+                            <p:childTnLst>
+                              <p:par>
+                                <p:cTn id="5" presetID="1" presetClass="entr" presetSubtype="0" fill="hold" nodeType="clickEffect">
+                                  <p:stCondLst>
+                                    <p:cond delay="0"/>
+                                  </p:stCondLst>
+                                  <p:childTnLst>
+                                    <p:set>
+                                      <p:cBhvr>
+                                        <p:cTn id="6" dur="1" fill="hold">
+                                          <p:stCondLst>
+                                            <p:cond delay="0"/>
+                                          </p:stCondLst>
+                                        </p:cTn>
+                                        <p:tgtEl>
+                                          <p:spTgt spid="3">
+                                            <p:txEl>
+                                              <p:pRg st="1" end="1"/>
+                                            </p:txEl>
+                                          </p:spTgt>
+                                        </p:tgtEl>
+                                        <p:attrNameLst>
+                                          <p:attrName>style.visibility</p:attrName>
+                                        </p:attrNameLst>
+                                      </p:cBhvr>
+                                      <p:to>
+                                        <p:strVal val="visible"/>
+                                      </p:to>
+                                    </p:set>
+                                  </p:childTnLst>
+                                </p:cTn>
+                              </p:par>
+                            </p:childTnLst>
+                          </p:cTn>
+                        </p:par>
+                      </p:childTnLst>
+                    </p:cTn>
+                  </p:par>
+                  <p:par>
+                    <p:cTn id="7" fill="hold">
+                      <p:stCondLst>
+                        <p:cond delay="indefinite"/>
+                      </p:stCondLst>
+                      <p:childTnLst>
+                        <p:par>
+                          <p:cTn id="8" fill="hold">
+                            <p:stCondLst>
+                              <p:cond delay="0"/>
+                            </p:stCondLst>
+                            <p:childTnLst>
+                              <p:par>
+                                <p:cTn id="9" presetID="1" presetClass="entr" presetSubtype="0" fill="hold" nodeType="clickEffect">
+                                  <p:stCondLst>
+                                    <p:cond delay="0"/>
+                                  </p:stCondLst>
+                                  <p:childTnLst>
+                                    <p:set>
+                                      <p:cBhvr>
+                                        <p:cTn id="10" dur="1" fill="hold">
+                                          <p:stCondLst>
+                                            <p:cond delay="0"/>
+                                          </p:stCondLst>
+                                        </p:cTn>
+                                        <p:tgtEl>
+                                          <p:spTgt spid="3">
+                                            <p:txEl>
+                                              <p:pRg st="2" end="2"/>
+                                            </p:txEl>
+                                          </p:spTgt>
+                                        </p:tgtEl>
+                                        <p:attrNameLst>
+                                          <p:attrName>style.visibility</p:attrName>
+                                        </p:attrNameLst>
+                                      </p:cBhvr>
+                                      <p:to>
+                                        <p:strVal val="visible"/>
+                                      </p:to>
+                                    </p:set>
+                                  </p:childTnLst>
+                                </p:cTn>
+                              </p:par>
+                            </p:childTnLst>
+                          </p:cTn>
+                        </p:par>
+                      </p:childTnLst>
+                    </p:cTn>
+                  </p:par>
+                  <p:par>
+                    <p:cTn id="11" fill="hold">
+                      <p:stCondLst>
+                        <p:cond delay="indefinite"/>
+                      </p:stCondLst>
+                      <p:childTnLst>
+                        <p:par>
+                          <p:cTn id="12" fill="hold">
+                            <p:stCondLst>
+                              <p:cond delay="0"/>
+                            </p:stCondLst>
+                            <p:childTnLst>
+                              <p:par>
+                                <p:cTn id="13" presetID="1" presetClass="entr" presetSubtype="0" fill="hold" grpId="0" nodeType="clickEffect">
+                                  <p:stCondLst>
+                                    <p:cond delay="0"/>
+                                  </p:stCondLst>
+                                  <p:childTnLst>
+                                    <p:set>
+                                      <p:cBhvr>
+                                        <p:cTn id="14" dur="1" fill="hold">
+                                          <p:stCondLst>
+                                            <p:cond delay="0"/>
+                                          </p:stCondLst>
+                                        </p:cTn>
+                                        <p:tgtEl>
+                                          <p:spTgt spid="2"/>
+                                        </p:tgtEl>
+                                        <p:attrNameLst>
+                                          <p:attrName>style.visibility</p:attrName>
+                                        </p:attrNameLst>
+                                      </p:cBhvr>
+                                      <p:to>
+                                        <p:strVal val="visible"/>
+                                      </p:to>
+                                    </p:set>
+                                  </p:childTnLst>
+                                </p:cTn>
+                              </p:par>
+                            </p:childTnLst>
+                          </p:cTn>
+                        </p:par>
+                      </p:childTnLst>
+                    </p:cTn>
+                  </p:par>
+                </p:childTnLst>
+              </p:cTn>
+              <p:prevCondLst>
+                <p:cond evt="onPrev" delay="0">
+                  <p:tgtEl>
+                    <p:sldTgt/>
+                  </p:tgtEl>
+                </p:cond>
+              </p:prevCondLst>
+              <p:nextCondLst>
+                <p:cond evt="onNext" delay="0">
+                  <p:tgtEl>
+                    <p:sldTgt/>
+                  </p:tgtEl>
+                </p:cond>
+              </p:nextCondLst>
+            </p:seq>
+          </p:childTnLst>
+        </p:cTn>
+      </p:par>
+    </p:tnLst>
+    <p:bldLst>
+      <p:bldP spid="2" grpId="0"/>
+    </p:bldLst>
+  </p:timing>
 </p:sld>
 </file>
 
@@ -7852,6 +8538,84 @@
   <p:clrMapOvr>
     <a:masterClrMapping/>
   </p:clrMapOvr>
+  <p:timing>
+    <p:tnLst>
+      <p:par>
+        <p:cTn id="1" dur="indefinite" restart="never" nodeType="tmRoot">
+          <p:childTnLst>
+            <p:seq concurrent="1" nextAc="seek">
+              <p:cTn id="2" dur="indefinite" nodeType="mainSeq">
+                <p:childTnLst>
+                  <p:par>
+                    <p:cTn id="3" fill="hold">
+                      <p:stCondLst>
+                        <p:cond delay="indefinite"/>
+                      </p:stCondLst>
+                      <p:childTnLst>
+                        <p:par>
+                          <p:cTn id="4" fill="hold">
+                            <p:stCondLst>
+                              <p:cond delay="0"/>
+                            </p:stCondLst>
+                            <p:childTnLst>
+                              <p:par>
+                                <p:cTn id="5" presetID="1" presetClass="entr" presetSubtype="0" fill="hold" grpId="0" nodeType="clickEffect">
+                                  <p:stCondLst>
+                                    <p:cond delay="0"/>
+                                  </p:stCondLst>
+                                  <p:childTnLst>
+                                    <p:set>
+                                      <p:cBhvr>
+                                        <p:cTn id="6" dur="1" fill="hold">
+                                          <p:stCondLst>
+                                            <p:cond delay="0"/>
+                                          </p:stCondLst>
+                                        </p:cTn>
+                                        <p:tgtEl>
+                                          <p:spTgt spid="9"/>
+                                        </p:tgtEl>
+                                        <p:attrNameLst>
+                                          <p:attrName>style.visibility</p:attrName>
+                                        </p:attrNameLst>
+                                      </p:cBhvr>
+                                      <p:to>
+                                        <p:strVal val="visible"/>
+                                      </p:to>
+                                    </p:set>
+                                  </p:childTnLst>
+                                </p:cTn>
+                              </p:par>
+                            </p:childTnLst>
+                          </p:cTn>
+                        </p:par>
+                      </p:childTnLst>
+                    </p:cTn>
+                  </p:par>
+                </p:childTnLst>
+              </p:cTn>
+              <p:prevCondLst>
+                <p:cond evt="onPrev" delay="0">
+                  <p:tgtEl>
+                    <p:sldTgt/>
+                  </p:tgtEl>
+                </p:cond>
+              </p:prevCondLst>
+              <p:nextCondLst>
+                <p:cond evt="onNext" delay="0">
+                  <p:tgtEl>
+                    <p:sldTgt/>
+                  </p:tgtEl>
+                </p:cond>
+              </p:nextCondLst>
+            </p:seq>
+          </p:childTnLst>
+        </p:cTn>
+      </p:par>
+    </p:tnLst>
+    <p:bldLst>
+      <p:bldP spid="9" grpId="0"/>
+    </p:bldLst>
+  </p:timing>
 </p:sld>
 </file>
 
@@ -8751,6 +9515,51 @@
                       </p:childTnLst>
                     </p:cTn>
                   </p:par>
+                  <p:par>
+                    <p:cTn id="15" fill="hold">
+                      <p:stCondLst>
+                        <p:cond delay="indefinite"/>
+                      </p:stCondLst>
+                      <p:childTnLst>
+                        <p:par>
+                          <p:cTn id="16" fill="hold">
+                            <p:stCondLst>
+                              <p:cond delay="0"/>
+                            </p:stCondLst>
+                            <p:childTnLst>
+                              <p:par>
+                                <p:cTn id="17" presetID="1" presetClass="entr" presetSubtype="0" fill="hold" grpId="0" nodeType="clickEffect">
+                                  <p:stCondLst>
+                                    <p:cond delay="0"/>
+                                  </p:stCondLst>
+                                  <p:childTnLst>
+                                    <p:set>
+                                      <p:cBhvr>
+                                        <p:cTn id="18" dur="1" fill="hold">
+                                          <p:stCondLst>
+                                            <p:cond delay="0"/>
+                                          </p:stCondLst>
+                                        </p:cTn>
+                                        <p:tgtEl>
+                                          <p:spTgt spid="12"/>
+                                        </p:tgtEl>
+                                        <p:attrNameLst>
+                                          <p:attrName>style.visibility</p:attrName>
+                                        </p:attrNameLst>
+                                      </p:cBhvr>
+                                      <p:to>
+                                        <p:strVal val="visible"/>
+                                      </p:to>
+                                    </p:set>
+                                  </p:childTnLst>
+                                </p:cTn>
+                              </p:par>
+                            </p:childTnLst>
+                          </p:cTn>
+                        </p:par>
+                      </p:childTnLst>
+                    </p:cTn>
+                  </p:par>
                 </p:childTnLst>
               </p:cTn>
               <p:prevCondLst>
@@ -8776,6 +9585,7 @@
       <p:bldP spid="8" grpId="0" animBg="1"/>
       <p:bldP spid="9" grpId="0" animBg="1"/>
       <p:bldP spid="10" grpId="0" animBg="1"/>
+      <p:bldP spid="12" grpId="0"/>
     </p:bldLst>
   </p:timing>
 </p:sld>
@@ -9017,6 +9827,134 @@
   <p:clrMapOvr>
     <a:masterClrMapping/>
   </p:clrMapOvr>
+  <p:timing>
+    <p:tnLst>
+      <p:par>
+        <p:cTn id="1" dur="indefinite" restart="never" nodeType="tmRoot">
+          <p:childTnLst>
+            <p:seq concurrent="1" nextAc="seek">
+              <p:cTn id="2" dur="indefinite" nodeType="mainSeq">
+                <p:childTnLst>
+                  <p:par>
+                    <p:cTn id="3" fill="hold">
+                      <p:stCondLst>
+                        <p:cond delay="indefinite"/>
+                      </p:stCondLst>
+                      <p:childTnLst>
+                        <p:par>
+                          <p:cTn id="4" fill="hold">
+                            <p:stCondLst>
+                              <p:cond delay="0"/>
+                            </p:stCondLst>
+                            <p:childTnLst>
+                              <p:par>
+                                <p:cTn id="5" presetID="1" presetClass="entr" presetSubtype="0" fill="hold" nodeType="clickEffect">
+                                  <p:stCondLst>
+                                    <p:cond delay="0"/>
+                                  </p:stCondLst>
+                                  <p:childTnLst>
+                                    <p:set>
+                                      <p:cBhvr>
+                                        <p:cTn id="6" dur="1" fill="hold">
+                                          <p:stCondLst>
+                                            <p:cond delay="0"/>
+                                          </p:stCondLst>
+                                        </p:cTn>
+                                        <p:tgtEl>
+                                          <p:spTgt spid="5">
+                                            <p:txEl>
+                                              <p:pRg st="1" end="1"/>
+                                            </p:txEl>
+                                          </p:spTgt>
+                                        </p:tgtEl>
+                                        <p:attrNameLst>
+                                          <p:attrName>style.visibility</p:attrName>
+                                        </p:attrNameLst>
+                                      </p:cBhvr>
+                                      <p:to>
+                                        <p:strVal val="visible"/>
+                                      </p:to>
+                                    </p:set>
+                                  </p:childTnLst>
+                                </p:cTn>
+                              </p:par>
+                            </p:childTnLst>
+                          </p:cTn>
+                        </p:par>
+                      </p:childTnLst>
+                    </p:cTn>
+                  </p:par>
+                  <p:par>
+                    <p:cTn id="7" fill="hold">
+                      <p:stCondLst>
+                        <p:cond delay="indefinite"/>
+                      </p:stCondLst>
+                      <p:childTnLst>
+                        <p:par>
+                          <p:cTn id="8" fill="hold">
+                            <p:stCondLst>
+                              <p:cond delay="0"/>
+                            </p:stCondLst>
+                            <p:childTnLst>
+                              <p:par>
+                                <p:cTn id="9" presetID="1" presetClass="entr" presetSubtype="0" fill="hold" nodeType="clickEffect">
+                                  <p:stCondLst>
+                                    <p:cond delay="0"/>
+                                  </p:stCondLst>
+                                  <p:childTnLst>
+                                    <p:set>
+                                      <p:cBhvr>
+                                        <p:cTn id="10" dur="1" fill="hold">
+                                          <p:stCondLst>
+                                            <p:cond delay="0"/>
+                                          </p:stCondLst>
+                                        </p:cTn>
+                                        <p:tgtEl>
+                                          <p:spTgt spid="5">
+                                            <p:txEl>
+                                              <p:pRg st="2" end="2"/>
+                                            </p:txEl>
+                                          </p:spTgt>
+                                        </p:tgtEl>
+                                        <p:attrNameLst>
+                                          <p:attrName>style.visibility</p:attrName>
+                                        </p:attrNameLst>
+                                      </p:cBhvr>
+                                      <p:to>
+                                        <p:strVal val="visible"/>
+                                      </p:to>
+                                    </p:set>
+                                  </p:childTnLst>
+                                </p:cTn>
+                              </p:par>
+                            </p:childTnLst>
+                          </p:cTn>
+                        </p:par>
+                      </p:childTnLst>
+                    </p:cTn>
+                  </p:par>
+                </p:childTnLst>
+              </p:cTn>
+              <p:prevCondLst>
+                <p:cond evt="onPrev" delay="0">
+                  <p:tgtEl>
+                    <p:sldTgt/>
+                  </p:tgtEl>
+                </p:cond>
+              </p:prevCondLst>
+              <p:nextCondLst>
+                <p:cond evt="onNext" delay="0">
+                  <p:tgtEl>
+                    <p:sldTgt/>
+                  </p:tgtEl>
+                </p:cond>
+              </p:nextCondLst>
+            </p:seq>
+          </p:childTnLst>
+        </p:cTn>
+      </p:par>
+    </p:tnLst>
+  </p:timing>
 </p:sld>
 </file>
 
@@ -9896,6 +10834,134 @@
   <p:clrMapOvr>
     <a:masterClrMapping/>
   </p:clrMapOvr>
+  <p:timing>
+    <p:tnLst>
+      <p:par>
+        <p:cTn id="1" dur="indefinite" restart="never" nodeType="tmRoot">
+          <p:childTnLst>
+            <p:seq concurrent="1" nextAc="seek">
+              <p:cTn id="2" dur="indefinite" nodeType="mainSeq">
+                <p:childTnLst>
+                  <p:par>
+                    <p:cTn id="3" fill="hold">
+                      <p:stCondLst>
+                        <p:cond delay="indefinite"/>
+                      </p:stCondLst>
+                      <p:childTnLst>
+                        <p:par>
+                          <p:cTn id="4" fill="hold">
+                            <p:stCondLst>
+                              <p:cond delay="0"/>
+                            </p:stCondLst>
+                            <p:childTnLst>
+                              <p:par>
+                                <p:cTn id="5" presetID="1" presetClass="entr" presetSubtype="0" fill="hold" nodeType="clickEffect">
+                                  <p:stCondLst>
+                                    <p:cond delay="0"/>
+                                  </p:stCondLst>
+                                  <p:childTnLst>
+                                    <p:set>
+                                      <p:cBhvr>
+                                        <p:cTn id="6" dur="1" fill="hold">
+                                          <p:stCondLst>
+                                            <p:cond delay="0"/>
+                                          </p:stCondLst>
+                                        </p:cTn>
+                                        <p:tgtEl>
+                                          <p:spTgt spid="7">
+                                            <p:txEl>
+                                              <p:pRg st="1" end="1"/>
+                                            </p:txEl>
+                                          </p:spTgt>
+                                        </p:tgtEl>
+                                        <p:attrNameLst>
+                                          <p:attrName>style.visibility</p:attrName>
+                                        </p:attrNameLst>
+                                      </p:cBhvr>
+                                      <p:to>
+                                        <p:strVal val="visible"/>
+                                      </p:to>
+                                    </p:set>
+                                  </p:childTnLst>
+                                </p:cTn>
+                              </p:par>
+                            </p:childTnLst>
+                          </p:cTn>
+                        </p:par>
+                      </p:childTnLst>
+                    </p:cTn>
+                  </p:par>
+                  <p:par>
+                    <p:cTn id="7" fill="hold">
+                      <p:stCondLst>
+                        <p:cond delay="indefinite"/>
+                      </p:stCondLst>
+                      <p:childTnLst>
+                        <p:par>
+                          <p:cTn id="8" fill="hold">
+                            <p:stCondLst>
+                              <p:cond delay="0"/>
+                            </p:stCondLst>
+                            <p:childTnLst>
+                              <p:par>
+                                <p:cTn id="9" presetID="1" presetClass="entr" presetSubtype="0" fill="hold" nodeType="clickEffect">
+                                  <p:stCondLst>
+                                    <p:cond delay="0"/>
+                                  </p:stCondLst>
+                                  <p:childTnLst>
+                                    <p:set>
+                                      <p:cBhvr>
+                                        <p:cTn id="10" dur="1" fill="hold">
+                                          <p:stCondLst>
+                                            <p:cond delay="0"/>
+                                          </p:stCondLst>
+                                        </p:cTn>
+                                        <p:tgtEl>
+                                          <p:spTgt spid="7">
+                                            <p:txEl>
+                                              <p:pRg st="2" end="2"/>
+                                            </p:txEl>
+                                          </p:spTgt>
+                                        </p:tgtEl>
+                                        <p:attrNameLst>
+                                          <p:attrName>style.visibility</p:attrName>
+                                        </p:attrNameLst>
+                                      </p:cBhvr>
+                                      <p:to>
+                                        <p:strVal val="visible"/>
+                                      </p:to>
+                                    </p:set>
+                                  </p:childTnLst>
+                                </p:cTn>
+                              </p:par>
+                            </p:childTnLst>
+                          </p:cTn>
+                        </p:par>
+                      </p:childTnLst>
+                    </p:cTn>
+                  </p:par>
+                </p:childTnLst>
+              </p:cTn>
+              <p:prevCondLst>
+                <p:cond evt="onPrev" delay="0">
+                  <p:tgtEl>
+                    <p:sldTgt/>
+                  </p:tgtEl>
+                </p:cond>
+              </p:prevCondLst>
+              <p:nextCondLst>
+                <p:cond evt="onNext" delay="0">
+                  <p:tgtEl>
+                    <p:sldTgt/>
+                  </p:tgtEl>
+                </p:cond>
+              </p:nextCondLst>
+            </p:seq>
+          </p:childTnLst>
+        </p:cTn>
+      </p:par>
+    </p:tnLst>
+  </p:timing>
 </p:sld>
 </file>
 
@@ -9929,7 +10995,7 @@
         <p:spPr/>
         <p:txBody>
           <a:bodyPr>
-            <a:normAutofit fontScale="92500" lnSpcReduction="10000"/>
+            <a:normAutofit fontScale="92500" lnSpcReduction="20000"/>
           </a:bodyPr>
           <a:lstStyle/>
           <a:p>
@@ -9945,7 +11011,15 @@
             </a:r>
             <a:r>
               <a:rPr lang="bg-BG" dirty="0"/>
-              <a:t> = таблица; Всеки елемент се идентифицира чрез две измерения – номер на реда и номер на колоната в таблицата</a:t>
+              <a:t> = таблица; </a:t>
+            </a:r>
+            <a:endParaRPr lang="en-US" dirty="0"/>
+          </a:p>
+          <a:p>
+            <a:pPr lvl="1"/>
+            <a:r>
+              <a:rPr lang="bg-BG" dirty="0"/>
+              <a:t>Всеки елемент се идентифицира чрез две измерения – номер на реда и номер на колоната в таблицата</a:t>
             </a:r>
           </a:p>
           <a:p>
@@ -10091,6 +11165,330 @@
   <p:clrMapOvr>
     <a:masterClrMapping/>
   </p:clrMapOvr>
+  <p:timing>
+    <p:tnLst>
+      <p:par>
+        <p:cTn id="1" dur="indefinite" restart="never" nodeType="tmRoot">
+          <p:childTnLst>
+            <p:seq concurrent="1" nextAc="seek">
+              <p:cTn id="2" dur="indefinite" nodeType="mainSeq">
+                <p:childTnLst>
+                  <p:par>
+                    <p:cTn id="3" fill="hold">
+                      <p:stCondLst>
+                        <p:cond delay="indefinite"/>
+                      </p:stCondLst>
+                      <p:childTnLst>
+                        <p:par>
+                          <p:cTn id="4" fill="hold">
+                            <p:stCondLst>
+                              <p:cond delay="0"/>
+                            </p:stCondLst>
+                            <p:childTnLst>
+                              <p:par>
+                                <p:cTn id="5" presetID="1" presetClass="entr" presetSubtype="0" fill="hold" nodeType="clickEffect">
+                                  <p:stCondLst>
+                                    <p:cond delay="0"/>
+                                  </p:stCondLst>
+                                  <p:childTnLst>
+                                    <p:set>
+                                      <p:cBhvr>
+                                        <p:cTn id="6" dur="1" fill="hold">
+                                          <p:stCondLst>
+                                            <p:cond delay="0"/>
+                                          </p:stCondLst>
+                                        </p:cTn>
+                                        <p:tgtEl>
+                                          <p:spTgt spid="3">
+                                            <p:txEl>
+                                              <p:pRg st="1" end="1"/>
+                                            </p:txEl>
+                                          </p:spTgt>
+                                        </p:tgtEl>
+                                        <p:attrNameLst>
+                                          <p:attrName>style.visibility</p:attrName>
+                                        </p:attrNameLst>
+                                      </p:cBhvr>
+                                      <p:to>
+                                        <p:strVal val="visible"/>
+                                      </p:to>
+                                    </p:set>
+                                  </p:childTnLst>
+                                </p:cTn>
+                              </p:par>
+                            </p:childTnLst>
+                          </p:cTn>
+                        </p:par>
+                      </p:childTnLst>
+                    </p:cTn>
+                  </p:par>
+                  <p:par>
+                    <p:cTn id="7" fill="hold">
+                      <p:stCondLst>
+                        <p:cond delay="indefinite"/>
+                      </p:stCondLst>
+                      <p:childTnLst>
+                        <p:par>
+                          <p:cTn id="8" fill="hold">
+                            <p:stCondLst>
+                              <p:cond delay="0"/>
+                            </p:stCondLst>
+                            <p:childTnLst>
+                              <p:par>
+                                <p:cTn id="9" presetID="1" presetClass="entr" presetSubtype="0" fill="hold" nodeType="clickEffect">
+                                  <p:stCondLst>
+                                    <p:cond delay="0"/>
+                                  </p:stCondLst>
+                                  <p:childTnLst>
+                                    <p:set>
+                                      <p:cBhvr>
+                                        <p:cTn id="10" dur="1" fill="hold">
+                                          <p:stCondLst>
+                                            <p:cond delay="0"/>
+                                          </p:stCondLst>
+                                        </p:cTn>
+                                        <p:tgtEl>
+                                          <p:spTgt spid="3">
+                                            <p:txEl>
+                                              <p:pRg st="2" end="2"/>
+                                            </p:txEl>
+                                          </p:spTgt>
+                                        </p:tgtEl>
+                                        <p:attrNameLst>
+                                          <p:attrName>style.visibility</p:attrName>
+                                        </p:attrNameLst>
+                                      </p:cBhvr>
+                                      <p:to>
+                                        <p:strVal val="visible"/>
+                                      </p:to>
+                                    </p:set>
+                                  </p:childTnLst>
+                                </p:cTn>
+                              </p:par>
+                            </p:childTnLst>
+                          </p:cTn>
+                        </p:par>
+                      </p:childTnLst>
+                    </p:cTn>
+                  </p:par>
+                  <p:par>
+                    <p:cTn id="11" fill="hold">
+                      <p:stCondLst>
+                        <p:cond delay="indefinite"/>
+                      </p:stCondLst>
+                      <p:childTnLst>
+                        <p:par>
+                          <p:cTn id="12" fill="hold">
+                            <p:stCondLst>
+                              <p:cond delay="0"/>
+                            </p:stCondLst>
+                            <p:childTnLst>
+                              <p:par>
+                                <p:cTn id="13" presetID="1" presetClass="entr" presetSubtype="0" fill="hold" nodeType="clickEffect">
+                                  <p:stCondLst>
+                                    <p:cond delay="0"/>
+                                  </p:stCondLst>
+                                  <p:childTnLst>
+                                    <p:set>
+                                      <p:cBhvr>
+                                        <p:cTn id="14" dur="1" fill="hold">
+                                          <p:stCondLst>
+                                            <p:cond delay="0"/>
+                                          </p:stCondLst>
+                                        </p:cTn>
+                                        <p:tgtEl>
+                                          <p:spTgt spid="3">
+                                            <p:txEl>
+                                              <p:pRg st="3" end="3"/>
+                                            </p:txEl>
+                                          </p:spTgt>
+                                        </p:tgtEl>
+                                        <p:attrNameLst>
+                                          <p:attrName>style.visibility</p:attrName>
+                                        </p:attrNameLst>
+                                      </p:cBhvr>
+                                      <p:to>
+                                        <p:strVal val="visible"/>
+                                      </p:to>
+                                    </p:set>
+                                  </p:childTnLst>
+                                </p:cTn>
+                              </p:par>
+                            </p:childTnLst>
+                          </p:cTn>
+                        </p:par>
+                      </p:childTnLst>
+                    </p:cTn>
+                  </p:par>
+                  <p:par>
+                    <p:cTn id="15" fill="hold">
+                      <p:stCondLst>
+                        <p:cond delay="indefinite"/>
+                      </p:stCondLst>
+                      <p:childTnLst>
+                        <p:par>
+                          <p:cTn id="16" fill="hold">
+                            <p:stCondLst>
+                              <p:cond delay="0"/>
+                            </p:stCondLst>
+                            <p:childTnLst>
+                              <p:par>
+                                <p:cTn id="17" presetID="1" presetClass="entr" presetSubtype="0" fill="hold" nodeType="clickEffect">
+                                  <p:stCondLst>
+                                    <p:cond delay="0"/>
+                                  </p:stCondLst>
+                                  <p:childTnLst>
+                                    <p:set>
+                                      <p:cBhvr>
+                                        <p:cTn id="18" dur="1" fill="hold">
+                                          <p:stCondLst>
+                                            <p:cond delay="0"/>
+                                          </p:stCondLst>
+                                        </p:cTn>
+                                        <p:tgtEl>
+                                          <p:spTgt spid="3">
+                                            <p:txEl>
+                                              <p:pRg st="4" end="4"/>
+                                            </p:txEl>
+                                          </p:spTgt>
+                                        </p:tgtEl>
+                                        <p:attrNameLst>
+                                          <p:attrName>style.visibility</p:attrName>
+                                        </p:attrNameLst>
+                                      </p:cBhvr>
+                                      <p:to>
+                                        <p:strVal val="visible"/>
+                                      </p:to>
+                                    </p:set>
+                                  </p:childTnLst>
+                                </p:cTn>
+                              </p:par>
+                            </p:childTnLst>
+                          </p:cTn>
+                        </p:par>
+                      </p:childTnLst>
+                    </p:cTn>
+                  </p:par>
+                  <p:par>
+                    <p:cTn id="19" fill="hold">
+                      <p:stCondLst>
+                        <p:cond delay="indefinite"/>
+                      </p:stCondLst>
+                      <p:childTnLst>
+                        <p:par>
+                          <p:cTn id="20" fill="hold">
+                            <p:stCondLst>
+                              <p:cond delay="0"/>
+                            </p:stCondLst>
+                            <p:childTnLst>
+                              <p:par>
+                                <p:cTn id="21" presetID="1" presetClass="entr" presetSubtype="0" fill="hold" nodeType="clickEffect">
+                                  <p:stCondLst>
+                                    <p:cond delay="0"/>
+                                  </p:stCondLst>
+                                  <p:childTnLst>
+                                    <p:set>
+                                      <p:cBhvr>
+                                        <p:cTn id="22" dur="1" fill="hold">
+                                          <p:stCondLst>
+                                            <p:cond delay="0"/>
+                                          </p:stCondLst>
+                                        </p:cTn>
+                                        <p:tgtEl>
+                                          <p:spTgt spid="3">
+                                            <p:txEl>
+                                              <p:pRg st="5" end="5"/>
+                                            </p:txEl>
+                                          </p:spTgt>
+                                        </p:tgtEl>
+                                        <p:attrNameLst>
+                                          <p:attrName>style.visibility</p:attrName>
+                                        </p:attrNameLst>
+                                      </p:cBhvr>
+                                      <p:to>
+                                        <p:strVal val="visible"/>
+                                      </p:to>
+                                    </p:set>
+                                  </p:childTnLst>
+                                </p:cTn>
+                              </p:par>
+                            </p:childTnLst>
+                          </p:cTn>
+                        </p:par>
+                      </p:childTnLst>
+                    </p:cTn>
+                  </p:par>
+                  <p:par>
+                    <p:cTn id="23" fill="hold">
+                      <p:stCondLst>
+                        <p:cond delay="indefinite"/>
+                      </p:stCondLst>
+                      <p:childTnLst>
+                        <p:par>
+                          <p:cTn id="24" fill="hold">
+                            <p:stCondLst>
+                              <p:cond delay="0"/>
+                            </p:stCondLst>
+                            <p:childTnLst>
+                              <p:par>
+                                <p:cTn id="25" presetID="1" presetClass="entr" presetSubtype="0" fill="hold" nodeType="clickEffect">
+                                  <p:stCondLst>
+                                    <p:cond delay="0"/>
+                                  </p:stCondLst>
+                                  <p:childTnLst>
+                                    <p:set>
+                                      <p:cBhvr>
+                                        <p:cTn id="26" dur="1" fill="hold">
+                                          <p:stCondLst>
+                                            <p:cond delay="0"/>
+                                          </p:stCondLst>
+                                        </p:cTn>
+                                        <p:tgtEl>
+                                          <p:spTgt spid="3">
+                                            <p:txEl>
+                                              <p:pRg st="6" end="6"/>
+                                            </p:txEl>
+                                          </p:spTgt>
+                                        </p:tgtEl>
+                                        <p:attrNameLst>
+                                          <p:attrName>style.visibility</p:attrName>
+                                        </p:attrNameLst>
+                                      </p:cBhvr>
+                                      <p:to>
+                                        <p:strVal val="visible"/>
+                                      </p:to>
+                                    </p:set>
+                                  </p:childTnLst>
+                                </p:cTn>
+                              </p:par>
+                            </p:childTnLst>
+                          </p:cTn>
+                        </p:par>
+                      </p:childTnLst>
+                    </p:cTn>
+                  </p:par>
+                </p:childTnLst>
+              </p:cTn>
+              <p:prevCondLst>
+                <p:cond evt="onPrev" delay="0">
+                  <p:tgtEl>
+                    <p:sldTgt/>
+                  </p:tgtEl>
+                </p:cond>
+              </p:prevCondLst>
+              <p:nextCondLst>
+                <p:cond evt="onNext" delay="0">
+                  <p:tgtEl>
+                    <p:sldTgt/>
+                  </p:tgtEl>
+                </p:cond>
+              </p:nextCondLst>
+            </p:seq>
+          </p:childTnLst>
+        </p:cTn>
+      </p:par>
+    </p:tnLst>
+  </p:timing>
 </p:sld>
 </file>
 
@@ -10364,6 +11762,263 @@
     <a:masterClrMapping/>
   </p:clrMapOvr>
   <p:transition/>
+  <p:timing>
+    <p:tnLst>
+      <p:par>
+        <p:cTn id="1" dur="indefinite" restart="never" nodeType="tmRoot">
+          <p:childTnLst>
+            <p:seq concurrent="1" nextAc="seek">
+              <p:cTn id="2" dur="indefinite" nodeType="mainSeq">
+                <p:childTnLst>
+                  <p:par>
+                    <p:cTn id="3" fill="hold">
+                      <p:stCondLst>
+                        <p:cond delay="indefinite"/>
+                      </p:stCondLst>
+                      <p:childTnLst>
+                        <p:par>
+                          <p:cTn id="4" fill="hold">
+                            <p:stCondLst>
+                              <p:cond delay="0"/>
+                            </p:stCondLst>
+                            <p:childTnLst>
+                              <p:par>
+                                <p:cTn id="5" presetID="1" presetClass="entr" presetSubtype="0" fill="hold" nodeType="clickEffect">
+                                  <p:stCondLst>
+                                    <p:cond delay="0"/>
+                                  </p:stCondLst>
+                                  <p:childTnLst>
+                                    <p:set>
+                                      <p:cBhvr>
+                                        <p:cTn id="6" dur="1" fill="hold">
+                                          <p:stCondLst>
+                                            <p:cond delay="0"/>
+                                          </p:stCondLst>
+                                        </p:cTn>
+                                        <p:tgtEl>
+                                          <p:spTgt spid="428035">
+                                            <p:txEl>
+                                              <p:pRg st="1" end="1"/>
+                                            </p:txEl>
+                                          </p:spTgt>
+                                        </p:tgtEl>
+                                        <p:attrNameLst>
+                                          <p:attrName>style.visibility</p:attrName>
+                                        </p:attrNameLst>
+                                      </p:cBhvr>
+                                      <p:to>
+                                        <p:strVal val="visible"/>
+                                      </p:to>
+                                    </p:set>
+                                  </p:childTnLst>
+                                </p:cTn>
+                              </p:par>
+                            </p:childTnLst>
+                          </p:cTn>
+                        </p:par>
+                      </p:childTnLst>
+                    </p:cTn>
+                  </p:par>
+                  <p:par>
+                    <p:cTn id="7" fill="hold">
+                      <p:stCondLst>
+                        <p:cond delay="indefinite"/>
+                      </p:stCondLst>
+                      <p:childTnLst>
+                        <p:par>
+                          <p:cTn id="8" fill="hold">
+                            <p:stCondLst>
+                              <p:cond delay="0"/>
+                            </p:stCondLst>
+                            <p:childTnLst>
+                              <p:par>
+                                <p:cTn id="9" presetID="1" presetClass="entr" presetSubtype="0" fill="hold" nodeType="clickEffect">
+                                  <p:stCondLst>
+                                    <p:cond delay="0"/>
+                                  </p:stCondLst>
+                                  <p:childTnLst>
+                                    <p:set>
+                                      <p:cBhvr>
+                                        <p:cTn id="10" dur="1" fill="hold">
+                                          <p:stCondLst>
+                                            <p:cond delay="0"/>
+                                          </p:stCondLst>
+                                        </p:cTn>
+                                        <p:tgtEl>
+                                          <p:spTgt spid="428035">
+                                            <p:txEl>
+                                              <p:pRg st="2" end="2"/>
+                                            </p:txEl>
+                                          </p:spTgt>
+                                        </p:tgtEl>
+                                        <p:attrNameLst>
+                                          <p:attrName>style.visibility</p:attrName>
+                                        </p:attrNameLst>
+                                      </p:cBhvr>
+                                      <p:to>
+                                        <p:strVal val="visible"/>
+                                      </p:to>
+                                    </p:set>
+                                  </p:childTnLst>
+                                </p:cTn>
+                              </p:par>
+                            </p:childTnLst>
+                          </p:cTn>
+                        </p:par>
+                      </p:childTnLst>
+                    </p:cTn>
+                  </p:par>
+                  <p:par>
+                    <p:cTn id="11" fill="hold">
+                      <p:stCondLst>
+                        <p:cond delay="indefinite"/>
+                      </p:stCondLst>
+                      <p:childTnLst>
+                        <p:par>
+                          <p:cTn id="12" fill="hold">
+                            <p:stCondLst>
+                              <p:cond delay="0"/>
+                            </p:stCondLst>
+                            <p:childTnLst>
+                              <p:par>
+                                <p:cTn id="13" presetID="1" presetClass="entr" presetSubtype="0" fill="hold" nodeType="clickEffect">
+                                  <p:stCondLst>
+                                    <p:cond delay="0"/>
+                                  </p:stCondLst>
+                                  <p:childTnLst>
+                                    <p:set>
+                                      <p:cBhvr>
+                                        <p:cTn id="14" dur="1" fill="hold">
+                                          <p:stCondLst>
+                                            <p:cond delay="0"/>
+                                          </p:stCondLst>
+                                        </p:cTn>
+                                        <p:tgtEl>
+                                          <p:spTgt spid="428035">
+                                            <p:txEl>
+                                              <p:pRg st="3" end="3"/>
+                                            </p:txEl>
+                                          </p:spTgt>
+                                        </p:tgtEl>
+                                        <p:attrNameLst>
+                                          <p:attrName>style.visibility</p:attrName>
+                                        </p:attrNameLst>
+                                      </p:cBhvr>
+                                      <p:to>
+                                        <p:strVal val="visible"/>
+                                      </p:to>
+                                    </p:set>
+                                  </p:childTnLst>
+                                </p:cTn>
+                              </p:par>
+                            </p:childTnLst>
+                          </p:cTn>
+                        </p:par>
+                      </p:childTnLst>
+                    </p:cTn>
+                  </p:par>
+                  <p:par>
+                    <p:cTn id="15" fill="hold">
+                      <p:stCondLst>
+                        <p:cond delay="indefinite"/>
+                      </p:stCondLst>
+                      <p:childTnLst>
+                        <p:par>
+                          <p:cTn id="16" fill="hold">
+                            <p:stCondLst>
+                              <p:cond delay="0"/>
+                            </p:stCondLst>
+                            <p:childTnLst>
+                              <p:par>
+                                <p:cTn id="17" presetID="1" presetClass="entr" presetSubtype="0" fill="hold" nodeType="clickEffect">
+                                  <p:stCondLst>
+                                    <p:cond delay="0"/>
+                                  </p:stCondLst>
+                                  <p:childTnLst>
+                                    <p:set>
+                                      <p:cBhvr>
+                                        <p:cTn id="18" dur="1" fill="hold">
+                                          <p:stCondLst>
+                                            <p:cond delay="0"/>
+                                          </p:stCondLst>
+                                        </p:cTn>
+                                        <p:tgtEl>
+                                          <p:spTgt spid="428035">
+                                            <p:txEl>
+                                              <p:pRg st="4" end="4"/>
+                                            </p:txEl>
+                                          </p:spTgt>
+                                        </p:tgtEl>
+                                        <p:attrNameLst>
+                                          <p:attrName>style.visibility</p:attrName>
+                                        </p:attrNameLst>
+                                      </p:cBhvr>
+                                      <p:to>
+                                        <p:strVal val="visible"/>
+                                      </p:to>
+                                    </p:set>
+                                  </p:childTnLst>
+                                </p:cTn>
+                              </p:par>
+                              <p:par>
+                                <p:cTn id="19" presetID="1" presetClass="entr" presetSubtype="0" fill="hold" nodeType="withEffect">
+                                  <p:stCondLst>
+                                    <p:cond delay="0"/>
+                                  </p:stCondLst>
+                                  <p:childTnLst>
+                                    <p:set>
+                                      <p:cBhvr>
+                                        <p:cTn id="20" dur="1" fill="hold">
+                                          <p:stCondLst>
+                                            <p:cond delay="0"/>
+                                          </p:stCondLst>
+                                        </p:cTn>
+                                        <p:tgtEl>
+                                          <p:spTgt spid="428035">
+                                            <p:txEl>
+                                              <p:pRg st="5" end="5"/>
+                                            </p:txEl>
+                                          </p:spTgt>
+                                        </p:tgtEl>
+                                        <p:attrNameLst>
+                                          <p:attrName>style.visibility</p:attrName>
+                                        </p:attrNameLst>
+                                      </p:cBhvr>
+                                      <p:to>
+                                        <p:strVal val="visible"/>
+                                      </p:to>
+                                    </p:set>
+                                  </p:childTnLst>
+                                </p:cTn>
+                              </p:par>
+                            </p:childTnLst>
+                          </p:cTn>
+                        </p:par>
+                      </p:childTnLst>
+                    </p:cTn>
+                  </p:par>
+                </p:childTnLst>
+              </p:cTn>
+              <p:prevCondLst>
+                <p:cond evt="onPrev" delay="0">
+                  <p:tgtEl>
+                    <p:sldTgt/>
+                  </p:tgtEl>
+                </p:cond>
+              </p:prevCondLst>
+              <p:nextCondLst>
+                <p:cond evt="onNext" delay="0">
+                  <p:tgtEl>
+                    <p:sldTgt/>
+                  </p:tgtEl>
+                </p:cond>
+              </p:nextCondLst>
+            </p:seq>
+          </p:childTnLst>
+        </p:cTn>
+      </p:par>
+    </p:tnLst>
+  </p:timing>
 </p:sld>
 </file>
 
@@ -11073,6 +12728,228 @@
   <p:clrMapOvr>
     <a:masterClrMapping/>
   </p:clrMapOvr>
+  <p:timing>
+    <p:tnLst>
+      <p:par>
+        <p:cTn id="1" dur="indefinite" restart="never" nodeType="tmRoot">
+          <p:childTnLst>
+            <p:seq concurrent="1" nextAc="seek">
+              <p:cTn id="2" dur="indefinite" nodeType="mainSeq">
+                <p:childTnLst>
+                  <p:par>
+                    <p:cTn id="3" fill="hold">
+                      <p:stCondLst>
+                        <p:cond delay="indefinite"/>
+                      </p:stCondLst>
+                      <p:childTnLst>
+                        <p:par>
+                          <p:cTn id="4" fill="hold">
+                            <p:stCondLst>
+                              <p:cond delay="0"/>
+                            </p:stCondLst>
+                            <p:childTnLst>
+                              <p:par>
+                                <p:cTn id="5" presetID="1" presetClass="entr" presetSubtype="0" fill="hold" grpId="0" nodeType="clickEffect">
+                                  <p:stCondLst>
+                                    <p:cond delay="0"/>
+                                  </p:stCondLst>
+                                  <p:childTnLst>
+                                    <p:set>
+                                      <p:cBhvr>
+                                        <p:cTn id="6" dur="1" fill="hold">
+                                          <p:stCondLst>
+                                            <p:cond delay="0"/>
+                                          </p:stCondLst>
+                                        </p:cTn>
+                                        <p:tgtEl>
+                                          <p:spTgt spid="5"/>
+                                        </p:tgtEl>
+                                        <p:attrNameLst>
+                                          <p:attrName>style.visibility</p:attrName>
+                                        </p:attrNameLst>
+                                      </p:cBhvr>
+                                      <p:to>
+                                        <p:strVal val="visible"/>
+                                      </p:to>
+                                    </p:set>
+                                  </p:childTnLst>
+                                </p:cTn>
+                              </p:par>
+                            </p:childTnLst>
+                          </p:cTn>
+                        </p:par>
+                      </p:childTnLst>
+                    </p:cTn>
+                  </p:par>
+                  <p:par>
+                    <p:cTn id="7" fill="hold">
+                      <p:stCondLst>
+                        <p:cond delay="indefinite"/>
+                      </p:stCondLst>
+                      <p:childTnLst>
+                        <p:par>
+                          <p:cTn id="8" fill="hold">
+                            <p:stCondLst>
+                              <p:cond delay="0"/>
+                            </p:stCondLst>
+                            <p:childTnLst>
+                              <p:par>
+                                <p:cTn id="9" presetID="1" presetClass="entr" presetSubtype="0" fill="hold" nodeType="clickEffect">
+                                  <p:stCondLst>
+                                    <p:cond delay="0"/>
+                                  </p:stCondLst>
+                                  <p:childTnLst>
+                                    <p:set>
+                                      <p:cBhvr>
+                                        <p:cTn id="10" dur="1" fill="hold">
+                                          <p:stCondLst>
+                                            <p:cond delay="0"/>
+                                          </p:stCondLst>
+                                        </p:cTn>
+                                        <p:tgtEl>
+                                          <p:spTgt spid="3">
+                                            <p:txEl>
+                                              <p:pRg st="2" end="2"/>
+                                            </p:txEl>
+                                          </p:spTgt>
+                                        </p:tgtEl>
+                                        <p:attrNameLst>
+                                          <p:attrName>style.visibility</p:attrName>
+                                        </p:attrNameLst>
+                                      </p:cBhvr>
+                                      <p:to>
+                                        <p:strVal val="visible"/>
+                                      </p:to>
+                                    </p:set>
+                                  </p:childTnLst>
+                                </p:cTn>
+                              </p:par>
+                            </p:childTnLst>
+                          </p:cTn>
+                        </p:par>
+                      </p:childTnLst>
+                    </p:cTn>
+                  </p:par>
+                  <p:par>
+                    <p:cTn id="11" fill="hold">
+                      <p:stCondLst>
+                        <p:cond delay="indefinite"/>
+                      </p:stCondLst>
+                      <p:childTnLst>
+                        <p:par>
+                          <p:cTn id="12" fill="hold">
+                            <p:stCondLst>
+                              <p:cond delay="0"/>
+                            </p:stCondLst>
+                            <p:childTnLst>
+                              <p:par>
+                                <p:cTn id="13" presetID="1" presetClass="entr" presetSubtype="0" fill="hold" grpId="0" nodeType="clickEffect">
+                                  <p:stCondLst>
+                                    <p:cond delay="0"/>
+                                  </p:stCondLst>
+                                  <p:childTnLst>
+                                    <p:set>
+                                      <p:cBhvr>
+                                        <p:cTn id="14" dur="1" fill="hold">
+                                          <p:stCondLst>
+                                            <p:cond delay="0"/>
+                                          </p:stCondLst>
+                                        </p:cTn>
+                                        <p:tgtEl>
+                                          <p:spTgt spid="6"/>
+                                        </p:tgtEl>
+                                        <p:attrNameLst>
+                                          <p:attrName>style.visibility</p:attrName>
+                                        </p:attrNameLst>
+                                      </p:cBhvr>
+                                      <p:to>
+                                        <p:strVal val="visible"/>
+                                      </p:to>
+                                    </p:set>
+                                  </p:childTnLst>
+                                </p:cTn>
+                              </p:par>
+                            </p:childTnLst>
+                          </p:cTn>
+                        </p:par>
+                      </p:childTnLst>
+                    </p:cTn>
+                  </p:par>
+                  <p:par>
+                    <p:cTn id="15" fill="hold">
+                      <p:stCondLst>
+                        <p:cond delay="indefinite"/>
+                      </p:stCondLst>
+                      <p:childTnLst>
+                        <p:par>
+                          <p:cTn id="16" fill="hold">
+                            <p:stCondLst>
+                              <p:cond delay="0"/>
+                            </p:stCondLst>
+                            <p:childTnLst>
+                              <p:par>
+                                <p:cTn id="17" presetID="1" presetClass="entr" presetSubtype="0" fill="hold" nodeType="clickEffect">
+                                  <p:stCondLst>
+                                    <p:cond delay="0"/>
+                                  </p:stCondLst>
+                                  <p:childTnLst>
+                                    <p:set>
+                                      <p:cBhvr>
+                                        <p:cTn id="18" dur="1" fill="hold">
+                                          <p:stCondLst>
+                                            <p:cond delay="0"/>
+                                          </p:stCondLst>
+                                        </p:cTn>
+                                        <p:tgtEl>
+                                          <p:spTgt spid="3">
+                                            <p:txEl>
+                                              <p:pRg st="4" end="4"/>
+                                            </p:txEl>
+                                          </p:spTgt>
+                                        </p:tgtEl>
+                                        <p:attrNameLst>
+                                          <p:attrName>style.visibility</p:attrName>
+                                        </p:attrNameLst>
+                                      </p:cBhvr>
+                                      <p:to>
+                                        <p:strVal val="visible"/>
+                                      </p:to>
+                                    </p:set>
+                                  </p:childTnLst>
+                                </p:cTn>
+                              </p:par>
+                            </p:childTnLst>
+                          </p:cTn>
+                        </p:par>
+                      </p:childTnLst>
+                    </p:cTn>
+                  </p:par>
+                </p:childTnLst>
+              </p:cTn>
+              <p:prevCondLst>
+                <p:cond evt="onPrev" delay="0">
+                  <p:tgtEl>
+                    <p:sldTgt/>
+                  </p:tgtEl>
+                </p:cond>
+              </p:prevCondLst>
+              <p:nextCondLst>
+                <p:cond evt="onNext" delay="0">
+                  <p:tgtEl>
+                    <p:sldTgt/>
+                  </p:tgtEl>
+                </p:cond>
+              </p:nextCondLst>
+            </p:seq>
+          </p:childTnLst>
+        </p:cTn>
+      </p:par>
+    </p:tnLst>
+    <p:bldLst>
+      <p:bldP spid="5" grpId="0" animBg="1"/>
+      <p:bldP spid="6" grpId="0" animBg="1"/>
+    </p:bldLst>
+  </p:timing>
 </p:sld>
 </file>
 
@@ -12669,6 +14546,84 @@
   <p:clrMapOvr>
     <a:masterClrMapping/>
   </p:clrMapOvr>
+  <p:timing>
+    <p:tnLst>
+      <p:par>
+        <p:cTn id="1" dur="indefinite" restart="never" nodeType="tmRoot">
+          <p:childTnLst>
+            <p:seq concurrent="1" nextAc="seek">
+              <p:cTn id="2" dur="indefinite" nodeType="mainSeq">
+                <p:childTnLst>
+                  <p:par>
+                    <p:cTn id="3" fill="hold">
+                      <p:stCondLst>
+                        <p:cond delay="indefinite"/>
+                      </p:stCondLst>
+                      <p:childTnLst>
+                        <p:par>
+                          <p:cTn id="4" fill="hold">
+                            <p:stCondLst>
+                              <p:cond delay="0"/>
+                            </p:stCondLst>
+                            <p:childTnLst>
+                              <p:par>
+                                <p:cTn id="5" presetID="1" presetClass="entr" presetSubtype="0" fill="hold" grpId="0" nodeType="clickEffect">
+                                  <p:stCondLst>
+                                    <p:cond delay="0"/>
+                                  </p:stCondLst>
+                                  <p:childTnLst>
+                                    <p:set>
+                                      <p:cBhvr>
+                                        <p:cTn id="6" dur="1" fill="hold">
+                                          <p:stCondLst>
+                                            <p:cond delay="0"/>
+                                          </p:stCondLst>
+                                        </p:cTn>
+                                        <p:tgtEl>
+                                          <p:spTgt spid="7"/>
+                                        </p:tgtEl>
+                                        <p:attrNameLst>
+                                          <p:attrName>style.visibility</p:attrName>
+                                        </p:attrNameLst>
+                                      </p:cBhvr>
+                                      <p:to>
+                                        <p:strVal val="visible"/>
+                                      </p:to>
+                                    </p:set>
+                                  </p:childTnLst>
+                                </p:cTn>
+                              </p:par>
+                            </p:childTnLst>
+                          </p:cTn>
+                        </p:par>
+                      </p:childTnLst>
+                    </p:cTn>
+                  </p:par>
+                </p:childTnLst>
+              </p:cTn>
+              <p:prevCondLst>
+                <p:cond evt="onPrev" delay="0">
+                  <p:tgtEl>
+                    <p:sldTgt/>
+                  </p:tgtEl>
+                </p:cond>
+              </p:prevCondLst>
+              <p:nextCondLst>
+                <p:cond evt="onNext" delay="0">
+                  <p:tgtEl>
+                    <p:sldTgt/>
+                  </p:tgtEl>
+                </p:cond>
+              </p:nextCondLst>
+            </p:seq>
+          </p:childTnLst>
+        </p:cTn>
+      </p:par>
+    </p:tnLst>
+    <p:bldLst>
+      <p:bldP spid="7" grpId="0" animBg="1"/>
+    </p:bldLst>
+  </p:timing>
 </p:sld>
 </file>
 
@@ -12702,13 +14657,20 @@
         <p:spPr/>
         <p:txBody>
           <a:bodyPr>
-            <a:normAutofit/>
+            <a:normAutofit lnSpcReduction="10000"/>
           </a:bodyPr>
           <a:lstStyle/>
           <a:p>
             <a:r>
               <a:rPr lang="bg-BG" dirty="0"/>
-              <a:t>Както при едномерните масиви, така и при многомерните всички индекси започват от 0. Разликата е, че тук индексите са повече от 1. Ето как да достъпим елементите на примера от предния слайд</a:t>
+              <a:t>Както при едномерните масиви, така и при многомерните всички индекси започват от 0. Разликата е, че тук индексите са повече от 1. </a:t>
+            </a:r>
+            <a:endParaRPr lang="en-US" dirty="0"/>
+          </a:p>
+          <a:p>
+            <a:r>
+              <a:rPr lang="bg-BG" dirty="0"/>
+              <a:t>Ето как да достъпим елементите на примера от предния слайд</a:t>
             </a:r>
             <a:r>
               <a:rPr lang="en-US" dirty="0"/>
@@ -12769,7 +14731,7 @@
         </p:nvSpPr>
         <p:spPr>
           <a:xfrm>
-            <a:off x="663768" y="3634336"/>
+            <a:off x="663768" y="3990576"/>
             <a:ext cx="2667000" cy="556664"/>
           </a:xfrm>
           <a:prstGeom prst="rect">
@@ -13008,7 +14970,7 @@
         </p:nvSpPr>
         <p:spPr>
           <a:xfrm>
-            <a:off x="3519767" y="3632840"/>
+            <a:off x="3494505" y="3990576"/>
             <a:ext cx="2667000" cy="556664"/>
           </a:xfrm>
           <a:prstGeom prst="rect">
@@ -13247,7 +15209,7 @@
         </p:nvSpPr>
         <p:spPr>
           <a:xfrm>
-            <a:off x="6375766" y="3632840"/>
+            <a:off x="6363135" y="3990576"/>
             <a:ext cx="2642300" cy="556664"/>
           </a:xfrm>
           <a:prstGeom prst="rect">
@@ -13486,7 +15448,7 @@
         </p:nvSpPr>
         <p:spPr>
           <a:xfrm>
-            <a:off x="9207065" y="3632840"/>
+            <a:off x="9213138" y="3990576"/>
             <a:ext cx="2602347" cy="556664"/>
           </a:xfrm>
           <a:prstGeom prst="rect">
@@ -13725,7 +15687,7 @@
         </p:nvSpPr>
         <p:spPr>
           <a:xfrm>
-            <a:off x="663768" y="4548736"/>
+            <a:off x="663768" y="4899574"/>
             <a:ext cx="2667000" cy="556664"/>
           </a:xfrm>
           <a:prstGeom prst="rect">
@@ -13964,7 +15926,7 @@
         </p:nvSpPr>
         <p:spPr>
           <a:xfrm>
-            <a:off x="3519767" y="4547240"/>
+            <a:off x="3530016" y="4899574"/>
             <a:ext cx="2667000" cy="556664"/>
           </a:xfrm>
           <a:prstGeom prst="rect">
@@ -14203,7 +16165,7 @@
         </p:nvSpPr>
         <p:spPr>
           <a:xfrm>
-            <a:off x="6375766" y="4547240"/>
+            <a:off x="6359204" y="4891436"/>
             <a:ext cx="2642300" cy="556664"/>
           </a:xfrm>
           <a:prstGeom prst="rect">
@@ -14442,7 +16404,7 @@
         </p:nvSpPr>
         <p:spPr>
           <a:xfrm>
-            <a:off x="9207065" y="4548736"/>
+            <a:off x="9225452" y="4891436"/>
             <a:ext cx="2602347" cy="556664"/>
           </a:xfrm>
           <a:prstGeom prst="rect">
@@ -14741,6 +16703,360 @@
   <p:clrMapOvr>
     <a:masterClrMapping/>
   </p:clrMapOvr>
+  <p:timing>
+    <p:tnLst>
+      <p:par>
+        <p:cTn id="1" dur="indefinite" restart="never" nodeType="tmRoot">
+          <p:childTnLst>
+            <p:seq concurrent="1" nextAc="seek">
+              <p:cTn id="2" dur="indefinite" nodeType="mainSeq">
+                <p:childTnLst>
+                  <p:par>
+                    <p:cTn id="3" fill="hold">
+                      <p:stCondLst>
+                        <p:cond delay="indefinite"/>
+                      </p:stCondLst>
+                      <p:childTnLst>
+                        <p:par>
+                          <p:cTn id="4" fill="hold">
+                            <p:stCondLst>
+                              <p:cond delay="0"/>
+                            </p:stCondLst>
+                            <p:childTnLst>
+                              <p:par>
+                                <p:cTn id="5" presetID="1" presetClass="entr" presetSubtype="0" fill="hold" nodeType="clickEffect">
+                                  <p:stCondLst>
+                                    <p:cond delay="0"/>
+                                  </p:stCondLst>
+                                  <p:childTnLst>
+                                    <p:set>
+                                      <p:cBhvr>
+                                        <p:cTn id="6" dur="1" fill="hold">
+                                          <p:stCondLst>
+                                            <p:cond delay="0"/>
+                                          </p:stCondLst>
+                                        </p:cTn>
+                                        <p:tgtEl>
+                                          <p:spTgt spid="3">
+                                            <p:txEl>
+                                              <p:pRg st="1" end="1"/>
+                                            </p:txEl>
+                                          </p:spTgt>
+                                        </p:tgtEl>
+                                        <p:attrNameLst>
+                                          <p:attrName>style.visibility</p:attrName>
+                                        </p:attrNameLst>
+                                      </p:cBhvr>
+                                      <p:to>
+                                        <p:strVal val="visible"/>
+                                      </p:to>
+                                    </p:set>
+                                  </p:childTnLst>
+                                </p:cTn>
+                              </p:par>
+                              <p:par>
+                                <p:cTn id="7" presetID="1" presetClass="entr" presetSubtype="0" fill="hold" grpId="0" nodeType="withEffect">
+                                  <p:stCondLst>
+                                    <p:cond delay="0"/>
+                                  </p:stCondLst>
+                                  <p:childTnLst>
+                                    <p:set>
+                                      <p:cBhvr>
+                                        <p:cTn id="8" dur="1" fill="hold">
+                                          <p:stCondLst>
+                                            <p:cond delay="0"/>
+                                          </p:stCondLst>
+                                        </p:cTn>
+                                        <p:tgtEl>
+                                          <p:spTgt spid="7"/>
+                                        </p:tgtEl>
+                                        <p:attrNameLst>
+                                          <p:attrName>style.visibility</p:attrName>
+                                        </p:attrNameLst>
+                                      </p:cBhvr>
+                                      <p:to>
+                                        <p:strVal val="visible"/>
+                                      </p:to>
+                                    </p:set>
+                                  </p:childTnLst>
+                                </p:cTn>
+                              </p:par>
+                              <p:par>
+                                <p:cTn id="9" presetID="1" presetClass="entr" presetSubtype="0" fill="hold" grpId="0" nodeType="withEffect">
+                                  <p:stCondLst>
+                                    <p:cond delay="0"/>
+                                  </p:stCondLst>
+                                  <p:childTnLst>
+                                    <p:set>
+                                      <p:cBhvr>
+                                        <p:cTn id="10" dur="1" fill="hold">
+                                          <p:stCondLst>
+                                            <p:cond delay="0"/>
+                                          </p:stCondLst>
+                                        </p:cTn>
+                                        <p:tgtEl>
+                                          <p:spTgt spid="6"/>
+                                        </p:tgtEl>
+                                        <p:attrNameLst>
+                                          <p:attrName>style.visibility</p:attrName>
+                                        </p:attrNameLst>
+                                      </p:cBhvr>
+                                      <p:to>
+                                        <p:strVal val="visible"/>
+                                      </p:to>
+                                    </p:set>
+                                  </p:childTnLst>
+                                </p:cTn>
+                              </p:par>
+                              <p:par>
+                                <p:cTn id="11" presetID="1" presetClass="entr" presetSubtype="0" fill="hold" grpId="0" nodeType="withEffect">
+                                  <p:stCondLst>
+                                    <p:cond delay="0"/>
+                                  </p:stCondLst>
+                                  <p:childTnLst>
+                                    <p:set>
+                                      <p:cBhvr>
+                                        <p:cTn id="12" dur="1" fill="hold">
+                                          <p:stCondLst>
+                                            <p:cond delay="0"/>
+                                          </p:stCondLst>
+                                        </p:cTn>
+                                        <p:tgtEl>
+                                          <p:spTgt spid="8"/>
+                                        </p:tgtEl>
+                                        <p:attrNameLst>
+                                          <p:attrName>style.visibility</p:attrName>
+                                        </p:attrNameLst>
+                                      </p:cBhvr>
+                                      <p:to>
+                                        <p:strVal val="visible"/>
+                                      </p:to>
+                                    </p:set>
+                                  </p:childTnLst>
+                                </p:cTn>
+                              </p:par>
+                              <p:par>
+                                <p:cTn id="13" presetID="1" presetClass="entr" presetSubtype="0" fill="hold" grpId="0" nodeType="withEffect">
+                                  <p:stCondLst>
+                                    <p:cond delay="0"/>
+                                  </p:stCondLst>
+                                  <p:childTnLst>
+                                    <p:set>
+                                      <p:cBhvr>
+                                        <p:cTn id="14" dur="1" fill="hold">
+                                          <p:stCondLst>
+                                            <p:cond delay="0"/>
+                                          </p:stCondLst>
+                                        </p:cTn>
+                                        <p:tgtEl>
+                                          <p:spTgt spid="10"/>
+                                        </p:tgtEl>
+                                        <p:attrNameLst>
+                                          <p:attrName>style.visibility</p:attrName>
+                                        </p:attrNameLst>
+                                      </p:cBhvr>
+                                      <p:to>
+                                        <p:strVal val="visible"/>
+                                      </p:to>
+                                    </p:set>
+                                  </p:childTnLst>
+                                </p:cTn>
+                              </p:par>
+                              <p:par>
+                                <p:cTn id="15" presetID="1" presetClass="entr" presetSubtype="0" fill="hold" grpId="0" nodeType="withEffect">
+                                  <p:stCondLst>
+                                    <p:cond delay="0"/>
+                                  </p:stCondLst>
+                                  <p:childTnLst>
+                                    <p:set>
+                                      <p:cBhvr>
+                                        <p:cTn id="16" dur="1" fill="hold">
+                                          <p:stCondLst>
+                                            <p:cond delay="0"/>
+                                          </p:stCondLst>
+                                        </p:cTn>
+                                        <p:tgtEl>
+                                          <p:spTgt spid="11"/>
+                                        </p:tgtEl>
+                                        <p:attrNameLst>
+                                          <p:attrName>style.visibility</p:attrName>
+                                        </p:attrNameLst>
+                                      </p:cBhvr>
+                                      <p:to>
+                                        <p:strVal val="visible"/>
+                                      </p:to>
+                                    </p:set>
+                                  </p:childTnLst>
+                                </p:cTn>
+                              </p:par>
+                              <p:par>
+                                <p:cTn id="17" presetID="1" presetClass="entr" presetSubtype="0" fill="hold" grpId="0" nodeType="withEffect">
+                                  <p:stCondLst>
+                                    <p:cond delay="0"/>
+                                  </p:stCondLst>
+                                  <p:childTnLst>
+                                    <p:set>
+                                      <p:cBhvr>
+                                        <p:cTn id="18" dur="1" fill="hold">
+                                          <p:stCondLst>
+                                            <p:cond delay="0"/>
+                                          </p:stCondLst>
+                                        </p:cTn>
+                                        <p:tgtEl>
+                                          <p:spTgt spid="12"/>
+                                        </p:tgtEl>
+                                        <p:attrNameLst>
+                                          <p:attrName>style.visibility</p:attrName>
+                                        </p:attrNameLst>
+                                      </p:cBhvr>
+                                      <p:to>
+                                        <p:strVal val="visible"/>
+                                      </p:to>
+                                    </p:set>
+                                  </p:childTnLst>
+                                </p:cTn>
+                              </p:par>
+                              <p:par>
+                                <p:cTn id="19" presetID="1" presetClass="entr" presetSubtype="0" fill="hold" grpId="0" nodeType="withEffect">
+                                  <p:stCondLst>
+                                    <p:cond delay="0"/>
+                                  </p:stCondLst>
+                                  <p:childTnLst>
+                                    <p:set>
+                                      <p:cBhvr>
+                                        <p:cTn id="20" dur="1" fill="hold">
+                                          <p:stCondLst>
+                                            <p:cond delay="0"/>
+                                          </p:stCondLst>
+                                        </p:cTn>
+                                        <p:tgtEl>
+                                          <p:spTgt spid="13"/>
+                                        </p:tgtEl>
+                                        <p:attrNameLst>
+                                          <p:attrName>style.visibility</p:attrName>
+                                        </p:attrNameLst>
+                                      </p:cBhvr>
+                                      <p:to>
+                                        <p:strVal val="visible"/>
+                                      </p:to>
+                                    </p:set>
+                                  </p:childTnLst>
+                                </p:cTn>
+                              </p:par>
+                              <p:par>
+                                <p:cTn id="21" presetID="1" presetClass="entr" presetSubtype="0" fill="hold" grpId="0" nodeType="withEffect">
+                                  <p:stCondLst>
+                                    <p:cond delay="0"/>
+                                  </p:stCondLst>
+                                  <p:childTnLst>
+                                    <p:set>
+                                      <p:cBhvr>
+                                        <p:cTn id="22" dur="1" fill="hold">
+                                          <p:stCondLst>
+                                            <p:cond delay="0"/>
+                                          </p:stCondLst>
+                                        </p:cTn>
+                                        <p:tgtEl>
+                                          <p:spTgt spid="14"/>
+                                        </p:tgtEl>
+                                        <p:attrNameLst>
+                                          <p:attrName>style.visibility</p:attrName>
+                                        </p:attrNameLst>
+                                      </p:cBhvr>
+                                      <p:to>
+                                        <p:strVal val="visible"/>
+                                      </p:to>
+                                    </p:set>
+                                  </p:childTnLst>
+                                </p:cTn>
+                              </p:par>
+                            </p:childTnLst>
+                          </p:cTn>
+                        </p:par>
+                      </p:childTnLst>
+                    </p:cTn>
+                  </p:par>
+                  <p:par>
+                    <p:cTn id="23" fill="hold">
+                      <p:stCondLst>
+                        <p:cond delay="indefinite"/>
+                      </p:stCondLst>
+                      <p:childTnLst>
+                        <p:par>
+                          <p:cTn id="24" fill="hold">
+                            <p:stCondLst>
+                              <p:cond delay="0"/>
+                            </p:stCondLst>
+                            <p:childTnLst>
+                              <p:par>
+                                <p:cTn id="25" presetID="1" presetClass="entr" presetSubtype="0" fill="hold" nodeType="clickEffect">
+                                  <p:stCondLst>
+                                    <p:cond delay="0"/>
+                                  </p:stCondLst>
+                                  <p:childTnLst>
+                                    <p:set>
+                                      <p:cBhvr>
+                                        <p:cTn id="26" dur="1" fill="hold">
+                                          <p:stCondLst>
+                                            <p:cond delay="0"/>
+                                          </p:stCondLst>
+                                        </p:cTn>
+                                        <p:tgtEl>
+                                          <p:spTgt spid="3">
+                                            <p:txEl>
+                                              <p:pRg st="5" end="5"/>
+                                            </p:txEl>
+                                          </p:spTgt>
+                                        </p:tgtEl>
+                                        <p:attrNameLst>
+                                          <p:attrName>style.visibility</p:attrName>
+                                        </p:attrNameLst>
+                                      </p:cBhvr>
+                                      <p:to>
+                                        <p:strVal val="visible"/>
+                                      </p:to>
+                                    </p:set>
+                                  </p:childTnLst>
+                                </p:cTn>
+                              </p:par>
+                            </p:childTnLst>
+                          </p:cTn>
+                        </p:par>
+                      </p:childTnLst>
+                    </p:cTn>
+                  </p:par>
+                </p:childTnLst>
+              </p:cTn>
+              <p:prevCondLst>
+                <p:cond evt="onPrev" delay="0">
+                  <p:tgtEl>
+                    <p:sldTgt/>
+                  </p:tgtEl>
+                </p:cond>
+              </p:prevCondLst>
+              <p:nextCondLst>
+                <p:cond evt="onNext" delay="0">
+                  <p:tgtEl>
+                    <p:sldTgt/>
+                  </p:tgtEl>
+                </p:cond>
+              </p:nextCondLst>
+            </p:seq>
+          </p:childTnLst>
+        </p:cTn>
+      </p:par>
+    </p:tnLst>
+    <p:bldLst>
+      <p:bldP spid="7" grpId="0" animBg="1"/>
+      <p:bldP spid="6" grpId="0" animBg="1"/>
+      <p:bldP spid="8" grpId="0" animBg="1"/>
+      <p:bldP spid="10" grpId="0" animBg="1"/>
+      <p:bldP spid="11" grpId="0" animBg="1"/>
+      <p:bldP spid="12" grpId="0" animBg="1"/>
+      <p:bldP spid="13" grpId="0" animBg="1"/>
+      <p:bldP spid="14" grpId="0" animBg="1"/>
+    </p:bldLst>
+  </p:timing>
 </p:sld>
 </file>
 
@@ -14780,7 +17096,14 @@
           <a:p>
             <a:r>
               <a:rPr lang="bg-BG" dirty="0"/>
-              <a:t>Всяка размерност на многомерен масив може да има различна дължина спрямо останалите. Поради тази причина всяка размерност се номерира по сходен начин на индексите. За да разберем колко реда има двумерния масив от примера</a:t>
+              <a:t>Всяка размерност на многомерен масив може да има различна дължина спрямо останалите. Поради тази причина всяка размерност се номерира по сходен начин на индексите. </a:t>
+            </a:r>
+            <a:endParaRPr lang="en-US" dirty="0"/>
+          </a:p>
+          <a:p>
+            <a:r>
+              <a:rPr lang="bg-BG" dirty="0"/>
+              <a:t>За да разберем колко реда има двумерния масив от примера</a:t>
             </a:r>
             <a:r>
               <a:rPr lang="en-US" dirty="0"/>
@@ -14846,7 +17169,7 @@
         </p:nvSpPr>
         <p:spPr>
           <a:xfrm>
-            <a:off x="663768" y="4015336"/>
+            <a:off x="556504" y="4676190"/>
             <a:ext cx="11069444" cy="556664"/>
           </a:xfrm>
           <a:prstGeom prst="rect">
@@ -15085,7 +17408,7 @@
         </p:nvSpPr>
         <p:spPr>
           <a:xfrm>
-            <a:off x="663768" y="5454180"/>
+            <a:off x="556504" y="6065302"/>
             <a:ext cx="11069444" cy="556664"/>
           </a:xfrm>
           <a:prstGeom prst="rect">
@@ -15384,6 +17707,192 @@
   <p:clrMapOvr>
     <a:masterClrMapping/>
   </p:clrMapOvr>
+  <p:timing>
+    <p:tnLst>
+      <p:par>
+        <p:cTn id="1" dur="indefinite" restart="never" nodeType="tmRoot">
+          <p:childTnLst>
+            <p:seq concurrent="1" nextAc="seek">
+              <p:cTn id="2" dur="indefinite" nodeType="mainSeq">
+                <p:childTnLst>
+                  <p:par>
+                    <p:cTn id="3" fill="hold">
+                      <p:stCondLst>
+                        <p:cond delay="indefinite"/>
+                      </p:stCondLst>
+                      <p:childTnLst>
+                        <p:par>
+                          <p:cTn id="4" fill="hold">
+                            <p:stCondLst>
+                              <p:cond delay="0"/>
+                            </p:stCondLst>
+                            <p:childTnLst>
+                              <p:par>
+                                <p:cTn id="5" presetID="1" presetClass="entr" presetSubtype="0" fill="hold" nodeType="clickEffect">
+                                  <p:stCondLst>
+                                    <p:cond delay="0"/>
+                                  </p:stCondLst>
+                                  <p:childTnLst>
+                                    <p:set>
+                                      <p:cBhvr>
+                                        <p:cTn id="6" dur="1" fill="hold">
+                                          <p:stCondLst>
+                                            <p:cond delay="0"/>
+                                          </p:stCondLst>
+                                        </p:cTn>
+                                        <p:tgtEl>
+                                          <p:spTgt spid="3">
+                                            <p:txEl>
+                                              <p:pRg st="1" end="1"/>
+                                            </p:txEl>
+                                          </p:spTgt>
+                                        </p:tgtEl>
+                                        <p:attrNameLst>
+                                          <p:attrName>style.visibility</p:attrName>
+                                        </p:attrNameLst>
+                                      </p:cBhvr>
+                                      <p:to>
+                                        <p:strVal val="visible"/>
+                                      </p:to>
+                                    </p:set>
+                                  </p:childTnLst>
+                                </p:cTn>
+                              </p:par>
+                              <p:par>
+                                <p:cTn id="7" presetID="1" presetClass="entr" presetSubtype="0" fill="hold" grpId="0" nodeType="withEffect">
+                                  <p:stCondLst>
+                                    <p:cond delay="0"/>
+                                  </p:stCondLst>
+                                  <p:childTnLst>
+                                    <p:set>
+                                      <p:cBhvr>
+                                        <p:cTn id="8" dur="1" fill="hold">
+                                          <p:stCondLst>
+                                            <p:cond delay="0"/>
+                                          </p:stCondLst>
+                                        </p:cTn>
+                                        <p:tgtEl>
+                                          <p:spTgt spid="7"/>
+                                        </p:tgtEl>
+                                        <p:attrNameLst>
+                                          <p:attrName>style.visibility</p:attrName>
+                                        </p:attrNameLst>
+                                      </p:cBhvr>
+                                      <p:to>
+                                        <p:strVal val="visible"/>
+                                      </p:to>
+                                    </p:set>
+                                  </p:childTnLst>
+                                </p:cTn>
+                              </p:par>
+                            </p:childTnLst>
+                          </p:cTn>
+                        </p:par>
+                      </p:childTnLst>
+                    </p:cTn>
+                  </p:par>
+                  <p:par>
+                    <p:cTn id="9" fill="hold">
+                      <p:stCondLst>
+                        <p:cond delay="indefinite"/>
+                      </p:stCondLst>
+                      <p:childTnLst>
+                        <p:par>
+                          <p:cTn id="10" fill="hold">
+                            <p:stCondLst>
+                              <p:cond delay="0"/>
+                            </p:stCondLst>
+                            <p:childTnLst>
+                              <p:par>
+                                <p:cTn id="11" presetID="1" presetClass="entr" presetSubtype="0" fill="hold" nodeType="clickEffect">
+                                  <p:stCondLst>
+                                    <p:cond delay="0"/>
+                                  </p:stCondLst>
+                                  <p:childTnLst>
+                                    <p:set>
+                                      <p:cBhvr>
+                                        <p:cTn id="12" dur="1" fill="hold">
+                                          <p:stCondLst>
+                                            <p:cond delay="0"/>
+                                          </p:stCondLst>
+                                        </p:cTn>
+                                        <p:tgtEl>
+                                          <p:spTgt spid="3">
+                                            <p:txEl>
+                                              <p:pRg st="3" end="3"/>
+                                            </p:txEl>
+                                          </p:spTgt>
+                                        </p:tgtEl>
+                                        <p:attrNameLst>
+                                          <p:attrName>style.visibility</p:attrName>
+                                        </p:attrNameLst>
+                                      </p:cBhvr>
+                                      <p:to>
+                                        <p:strVal val="visible"/>
+                                      </p:to>
+                                    </p:set>
+                                  </p:childTnLst>
+                                </p:cTn>
+                              </p:par>
+                              <p:par>
+                                <p:cTn id="13" presetID="1" presetClass="entr" presetSubtype="0" fill="hold" grpId="0" nodeType="withEffect">
+                                  <p:stCondLst>
+                                    <p:cond delay="0"/>
+                                  </p:stCondLst>
+                                  <p:childTnLst>
+                                    <p:set>
+                                      <p:cBhvr>
+                                        <p:cTn id="14" dur="1" fill="hold">
+                                          <p:stCondLst>
+                                            <p:cond delay="0"/>
+                                          </p:stCondLst>
+                                        </p:cTn>
+                                        <p:tgtEl>
+                                          <p:spTgt spid="15"/>
+                                        </p:tgtEl>
+                                        <p:attrNameLst>
+                                          <p:attrName>style.visibility</p:attrName>
+                                        </p:attrNameLst>
+                                      </p:cBhvr>
+                                      <p:to>
+                                        <p:strVal val="visible"/>
+                                      </p:to>
+                                    </p:set>
+                                  </p:childTnLst>
+                                </p:cTn>
+                              </p:par>
+                            </p:childTnLst>
+                          </p:cTn>
+                        </p:par>
+                      </p:childTnLst>
+                    </p:cTn>
+                  </p:par>
+                </p:childTnLst>
+              </p:cTn>
+              <p:prevCondLst>
+                <p:cond evt="onPrev" delay="0">
+                  <p:tgtEl>
+                    <p:sldTgt/>
+                  </p:tgtEl>
+                </p:cond>
+              </p:prevCondLst>
+              <p:nextCondLst>
+                <p:cond evt="onNext" delay="0">
+                  <p:tgtEl>
+                    <p:sldTgt/>
+                  </p:tgtEl>
+                </p:cond>
+              </p:nextCondLst>
+            </p:seq>
+          </p:childTnLst>
+        </p:cTn>
+      </p:par>
+    </p:tnLst>
+    <p:bldLst>
+      <p:bldP spid="7" grpId="0" animBg="1"/>
+      <p:bldP spid="15" grpId="0" animBg="1"/>
+    </p:bldLst>
+  </p:timing>
 </p:sld>
 </file>
 
